--- a/IstraziUzPython.pptx
+++ b/IstraziUzPython.pptx
@@ -8,29 +8,31 @@
     <p:sldId id="257" r:id="rId2"/>
     <p:sldId id="258" r:id="rId3"/>
     <p:sldId id="259" r:id="rId4"/>
-    <p:sldId id="260" r:id="rId5"/>
-    <p:sldId id="261" r:id="rId6"/>
-    <p:sldId id="262" r:id="rId7"/>
-    <p:sldId id="263" r:id="rId8"/>
-    <p:sldId id="264" r:id="rId9"/>
-    <p:sldId id="265" r:id="rId10"/>
-    <p:sldId id="266" r:id="rId11"/>
-    <p:sldId id="267" r:id="rId12"/>
-    <p:sldId id="268" r:id="rId13"/>
-    <p:sldId id="271" r:id="rId14"/>
-    <p:sldId id="269" r:id="rId15"/>
-    <p:sldId id="275" r:id="rId16"/>
-    <p:sldId id="274" r:id="rId17"/>
-    <p:sldId id="272" r:id="rId18"/>
-    <p:sldId id="273" r:id="rId19"/>
-    <p:sldId id="276" r:id="rId20"/>
-    <p:sldId id="277" r:id="rId21"/>
-    <p:sldId id="270" r:id="rId22"/>
-    <p:sldId id="278" r:id="rId23"/>
-    <p:sldId id="279" r:id="rId24"/>
-    <p:sldId id="280" r:id="rId25"/>
-    <p:sldId id="281" r:id="rId26"/>
-    <p:sldId id="256" r:id="rId27"/>
+    <p:sldId id="282" r:id="rId5"/>
+    <p:sldId id="260" r:id="rId6"/>
+    <p:sldId id="261" r:id="rId7"/>
+    <p:sldId id="262" r:id="rId8"/>
+    <p:sldId id="263" r:id="rId9"/>
+    <p:sldId id="264" r:id="rId10"/>
+    <p:sldId id="265" r:id="rId11"/>
+    <p:sldId id="266" r:id="rId12"/>
+    <p:sldId id="267" r:id="rId13"/>
+    <p:sldId id="268" r:id="rId14"/>
+    <p:sldId id="271" r:id="rId15"/>
+    <p:sldId id="269" r:id="rId16"/>
+    <p:sldId id="275" r:id="rId17"/>
+    <p:sldId id="274" r:id="rId18"/>
+    <p:sldId id="272" r:id="rId19"/>
+    <p:sldId id="273" r:id="rId20"/>
+    <p:sldId id="276" r:id="rId21"/>
+    <p:sldId id="277" r:id="rId22"/>
+    <p:sldId id="270" r:id="rId23"/>
+    <p:sldId id="278" r:id="rId24"/>
+    <p:sldId id="279" r:id="rId25"/>
+    <p:sldId id="280" r:id="rId26"/>
+    <p:sldId id="283" r:id="rId27"/>
+    <p:sldId id="281" r:id="rId28"/>
+    <p:sldId id="256" r:id="rId29"/>
   </p:sldIdLst>
   <p:sldSz cx="12192000" cy="6858000"/>
   <p:notesSz cx="6858000" cy="9144000"/>
@@ -284,7 +286,7 @@
           <a:p>
             <a:fld id="{618861A1-38F6-4D20-8DC9-D83E5F2F8336}" type="datetimeFigureOut">
               <a:rPr lang="hr-HR" smtClean="0"/>
-              <a:t>16.10.2020.</a:t>
+              <a:t>20.10.2023.</a:t>
             </a:fld>
             <a:endParaRPr lang="hr-HR" dirty="0"/>
           </a:p>
@@ -482,7 +484,7 @@
           <a:p>
             <a:fld id="{618861A1-38F6-4D20-8DC9-D83E5F2F8336}" type="datetimeFigureOut">
               <a:rPr lang="hr-HR" smtClean="0"/>
-              <a:t>16.10.2020.</a:t>
+              <a:t>20.10.2023.</a:t>
             </a:fld>
             <a:endParaRPr lang="hr-HR" dirty="0"/>
           </a:p>
@@ -690,7 +692,7 @@
           <a:p>
             <a:fld id="{618861A1-38F6-4D20-8DC9-D83E5F2F8336}" type="datetimeFigureOut">
               <a:rPr lang="hr-HR" smtClean="0"/>
-              <a:t>16.10.2020.</a:t>
+              <a:t>20.10.2023.</a:t>
             </a:fld>
             <a:endParaRPr lang="hr-HR" dirty="0"/>
           </a:p>
@@ -888,7 +890,7 @@
           <a:p>
             <a:fld id="{618861A1-38F6-4D20-8DC9-D83E5F2F8336}" type="datetimeFigureOut">
               <a:rPr lang="hr-HR" smtClean="0"/>
-              <a:t>16.10.2020.</a:t>
+              <a:t>20.10.2023.</a:t>
             </a:fld>
             <a:endParaRPr lang="hr-HR" dirty="0"/>
           </a:p>
@@ -1163,7 +1165,7 @@
           <a:p>
             <a:fld id="{618861A1-38F6-4D20-8DC9-D83E5F2F8336}" type="datetimeFigureOut">
               <a:rPr lang="hr-HR" smtClean="0"/>
-              <a:t>16.10.2020.</a:t>
+              <a:t>20.10.2023.</a:t>
             </a:fld>
             <a:endParaRPr lang="hr-HR" dirty="0"/>
           </a:p>
@@ -1428,7 +1430,7 @@
           <a:p>
             <a:fld id="{618861A1-38F6-4D20-8DC9-D83E5F2F8336}" type="datetimeFigureOut">
               <a:rPr lang="hr-HR" smtClean="0"/>
-              <a:t>16.10.2020.</a:t>
+              <a:t>20.10.2023.</a:t>
             </a:fld>
             <a:endParaRPr lang="hr-HR" dirty="0"/>
           </a:p>
@@ -1840,7 +1842,7 @@
           <a:p>
             <a:fld id="{618861A1-38F6-4D20-8DC9-D83E5F2F8336}" type="datetimeFigureOut">
               <a:rPr lang="hr-HR" smtClean="0"/>
-              <a:t>16.10.2020.</a:t>
+              <a:t>20.10.2023.</a:t>
             </a:fld>
             <a:endParaRPr lang="hr-HR" dirty="0"/>
           </a:p>
@@ -1981,7 +1983,7 @@
           <a:p>
             <a:fld id="{618861A1-38F6-4D20-8DC9-D83E5F2F8336}" type="datetimeFigureOut">
               <a:rPr lang="hr-HR" smtClean="0"/>
-              <a:t>16.10.2020.</a:t>
+              <a:t>20.10.2023.</a:t>
             </a:fld>
             <a:endParaRPr lang="hr-HR" dirty="0"/>
           </a:p>
@@ -2094,7 +2096,7 @@
           <a:p>
             <a:fld id="{618861A1-38F6-4D20-8DC9-D83E5F2F8336}" type="datetimeFigureOut">
               <a:rPr lang="hr-HR" smtClean="0"/>
-              <a:t>16.10.2020.</a:t>
+              <a:t>20.10.2023.</a:t>
             </a:fld>
             <a:endParaRPr lang="hr-HR" dirty="0"/>
           </a:p>
@@ -2405,7 +2407,7 @@
           <a:p>
             <a:fld id="{618861A1-38F6-4D20-8DC9-D83E5F2F8336}" type="datetimeFigureOut">
               <a:rPr lang="hr-HR" smtClean="0"/>
-              <a:t>16.10.2020.</a:t>
+              <a:t>20.10.2023.</a:t>
             </a:fld>
             <a:endParaRPr lang="hr-HR" dirty="0"/>
           </a:p>
@@ -2693,7 +2695,7 @@
           <a:p>
             <a:fld id="{618861A1-38F6-4D20-8DC9-D83E5F2F8336}" type="datetimeFigureOut">
               <a:rPr lang="hr-HR" smtClean="0"/>
-              <a:t>16.10.2020.</a:t>
+              <a:t>20.10.2023.</a:t>
             </a:fld>
             <a:endParaRPr lang="hr-HR" dirty="0"/>
           </a:p>
@@ -2934,7 +2936,7 @@
           <a:p>
             <a:fld id="{618861A1-38F6-4D20-8DC9-D83E5F2F8336}" type="datetimeFigureOut">
               <a:rPr lang="hr-HR" smtClean="0"/>
-              <a:t>16.10.2020.</a:t>
+              <a:t>20.10.2023.</a:t>
             </a:fld>
             <a:endParaRPr lang="hr-HR" dirty="0"/>
           </a:p>
@@ -3639,7 +3641,7 @@
           <p:cNvPr id="2" name="Naslov 1">
             <a:extLst>
               <a:ext uri="{FF2B5EF4-FFF2-40B4-BE49-F238E27FC236}">
-                <a16:creationId xmlns:a16="http://schemas.microsoft.com/office/drawing/2014/main" id="{8ACD8637-9C22-4800-B037-36D3F48FE935}"/>
+                <a16:creationId xmlns:a16="http://schemas.microsoft.com/office/drawing/2014/main" id="{914C8786-0F0B-4F37-BADD-79F6A4C791AD}"/>
               </a:ext>
             </a:extLst>
           </p:cNvPr>
@@ -3657,84 +3659,83 @@
           <a:p>
             <a:r>
               <a:rPr lang="hr-HR" dirty="0"/>
-              <a:t>Zadatak 2</a:t>
-            </a:r>
-          </a:p>
-        </p:txBody>
-      </p:sp>
-      <p:sp>
-        <p:nvSpPr>
-          <p:cNvPr id="3" name="Rezervirano mjesto sadržaja 2">
-            <a:extLst>
-              <a:ext uri="{FF2B5EF4-FFF2-40B4-BE49-F238E27FC236}">
-                <a16:creationId xmlns:a16="http://schemas.microsoft.com/office/drawing/2014/main" id="{A68995C6-391E-4264-AF25-F6CEDA0FDE89}"/>
-              </a:ext>
-            </a:extLst>
-          </p:cNvPr>
-          <p:cNvSpPr>
-            <a:spLocks noGrp="1"/>
-          </p:cNvSpPr>
+              <a:t>Primjer</a:t>
+            </a:r>
+          </a:p>
+        </p:txBody>
+      </p:sp>
+      <p:pic>
+        <p:nvPicPr>
+          <p:cNvPr id="8" name="Rezervirano mjesto sadržaja 7">
+            <a:extLst>
+              <a:ext uri="{FF2B5EF4-FFF2-40B4-BE49-F238E27FC236}">
+                <a16:creationId xmlns:a16="http://schemas.microsoft.com/office/drawing/2014/main" id="{9E65EC41-D914-497E-9D9A-003F13FBC9C2}"/>
+              </a:ext>
+            </a:extLst>
+          </p:cNvPr>
+          <p:cNvPicPr>
+            <a:picLocks noGrp="1" noChangeAspect="1"/>
+          </p:cNvPicPr>
           <p:nvPr>
             <p:ph idx="1"/>
           </p:nvPr>
-        </p:nvSpPr>
-        <p:spPr/>
-        <p:txBody>
-          <a:bodyPr/>
-          <a:lstStyle/>
-          <a:p>
-            <a:r>
-              <a:rPr lang="hr-HR" dirty="0"/>
-              <a:t>Dohvatiti podatke koristeći </a:t>
-            </a:r>
-            <a:r>
-              <a:rPr lang="hr-HR" dirty="0" err="1"/>
-              <a:t>requests</a:t>
-            </a:r>
-            <a:r>
-              <a:rPr lang="hr-HR" dirty="0"/>
-              <a:t> i prethodni </a:t>
-            </a:r>
-            <a:r>
-              <a:rPr lang="hr-HR" dirty="0" err="1"/>
-              <a:t>url</a:t>
-            </a:r>
-            <a:endParaRPr lang="hr-HR" dirty="0"/>
-          </a:p>
-          <a:p>
-            <a:r>
-              <a:rPr lang="hr-HR" dirty="0"/>
-              <a:t>Iskoristiti </a:t>
-            </a:r>
-            <a:r>
-              <a:rPr lang="hr-HR" dirty="0" err="1"/>
-              <a:t>response.json</a:t>
-            </a:r>
-            <a:r>
-              <a:rPr lang="hr-HR" dirty="0"/>
-              <a:t>() metodu</a:t>
-            </a:r>
-          </a:p>
-          <a:p>
-            <a:pPr lvl="1"/>
-            <a:r>
-              <a:rPr lang="hr-HR" dirty="0"/>
-              <a:t>Kakav rezultat vraća metoda?</a:t>
-            </a:r>
-          </a:p>
-          <a:p>
-            <a:pPr lvl="1"/>
-            <a:r>
-              <a:rPr lang="hr-HR" dirty="0"/>
-              <a:t>Što sve sadrži rezultat?</a:t>
-            </a:r>
-          </a:p>
-        </p:txBody>
-      </p:sp>
+        </p:nvPicPr>
+        <p:blipFill>
+          <a:blip r:embed="rId2"/>
+          <a:stretch>
+            <a:fillRect/>
+          </a:stretch>
+        </p:blipFill>
+        <p:spPr>
+          <a:xfrm>
+            <a:off x="941804" y="1910519"/>
+            <a:ext cx="9934283" cy="3036961"/>
+          </a:xfrm>
+        </p:spPr>
+      </p:pic>
+      <p:pic>
+        <p:nvPicPr>
+          <p:cNvPr id="3" name="Grafika 2" descr="Zupčanici">
+            <a:extLst>
+              <a:ext uri="{FF2B5EF4-FFF2-40B4-BE49-F238E27FC236}">
+                <a16:creationId xmlns:a16="http://schemas.microsoft.com/office/drawing/2014/main" id="{C705D9BE-E97F-942B-4D40-81AA3952C409}"/>
+              </a:ext>
+            </a:extLst>
+          </p:cNvPr>
+          <p:cNvPicPr>
+            <a:picLocks noChangeAspect="1"/>
+          </p:cNvPicPr>
+          <p:nvPr/>
+        </p:nvPicPr>
+        <p:blipFill>
+          <a:blip r:embed="rId3">
+            <a:extLst>
+              <a:ext uri="{28A0092B-C50C-407E-A947-70E740481C1C}">
+                <a14:useLocalDpi xmlns:a14="http://schemas.microsoft.com/office/drawing/2010/main" val="0"/>
+              </a:ext>
+              <a:ext uri="{96DAC541-7B7A-43D3-8B79-37D633B846F1}">
+                <asvg:svgBlip xmlns:asvg="http://schemas.microsoft.com/office/drawing/2016/SVG/main" r:embed="rId4"/>
+              </a:ext>
+            </a:extLst>
+          </a:blip>
+          <a:stretch>
+            <a:fillRect/>
+          </a:stretch>
+        </p:blipFill>
+        <p:spPr>
+          <a:xfrm>
+            <a:off x="77730" y="113506"/>
+            <a:ext cx="914400" cy="914400"/>
+          </a:xfrm>
+          <a:prstGeom prst="rect">
+            <a:avLst/>
+          </a:prstGeom>
+        </p:spPr>
+      </p:pic>
     </p:spTree>
     <p:extLst>
       <p:ext uri="{BB962C8B-B14F-4D97-AF65-F5344CB8AC3E}">
-        <p14:creationId xmlns:p14="http://schemas.microsoft.com/office/powerpoint/2010/main" val="1098902040"/>
+        <p14:creationId xmlns:p14="http://schemas.microsoft.com/office/powerpoint/2010/main" val="4105002120"/>
       </p:ext>
     </p:extLst>
   </p:cSld>
@@ -3761,49 +3762,19 @@
           <a:chExt cx="0" cy="0"/>
         </a:xfrm>
       </p:grpSpPr>
-      <p:sp>
-        <p:nvSpPr>
-          <p:cNvPr id="2" name="Naslov 1">
-            <a:extLst>
-              <a:ext uri="{FF2B5EF4-FFF2-40B4-BE49-F238E27FC236}">
-                <a16:creationId xmlns:a16="http://schemas.microsoft.com/office/drawing/2014/main" id="{6D2E7F16-C629-47D5-9A36-BF2207E62CD3}"/>
-              </a:ext>
-            </a:extLst>
-          </p:cNvPr>
-          <p:cNvSpPr>
-            <a:spLocks noGrp="1"/>
-          </p:cNvSpPr>
-          <p:nvPr>
-            <p:ph type="title"/>
-          </p:nvPr>
-        </p:nvSpPr>
-        <p:spPr/>
-        <p:txBody>
-          <a:bodyPr/>
-          <a:lstStyle/>
-          <a:p>
-            <a:r>
-              <a:rPr lang="hr-HR" dirty="0"/>
-              <a:t>Unutarnja struktura podataka</a:t>
-            </a:r>
-          </a:p>
-        </p:txBody>
-      </p:sp>
       <p:pic>
         <p:nvPicPr>
-          <p:cNvPr id="5" name="Rezervirano mjesto sadržaja 4">
-            <a:extLst>
-              <a:ext uri="{FF2B5EF4-FFF2-40B4-BE49-F238E27FC236}">
-                <a16:creationId xmlns:a16="http://schemas.microsoft.com/office/drawing/2014/main" id="{A8517AB0-D588-4EC6-BD5B-2DE3A781D4C5}"/>
+          <p:cNvPr id="5" name="Slika 4">
+            <a:extLst>
+              <a:ext uri="{FF2B5EF4-FFF2-40B4-BE49-F238E27FC236}">
+                <a16:creationId xmlns:a16="http://schemas.microsoft.com/office/drawing/2014/main" id="{FAC9725A-2B3F-07DC-49B4-A9A251DB8AD6}"/>
               </a:ext>
             </a:extLst>
           </p:cNvPr>
           <p:cNvPicPr>
-            <a:picLocks noGrp="1" noChangeAspect="1"/>
+            <a:picLocks noChangeAspect="1"/>
           </p:cNvPicPr>
-          <p:nvPr>
-            <p:ph idx="1"/>
-          </p:nvPr>
+          <p:nvPr/>
         </p:nvPicPr>
         <p:blipFill>
           <a:blip r:embed="rId2"/>
@@ -3813,8 +3784,8 @@
         </p:blipFill>
         <p:spPr>
           <a:xfrm>
-            <a:off x="1474748" y="1471519"/>
-            <a:ext cx="9242503" cy="4351338"/>
+            <a:off x="146243" y="157440"/>
+            <a:ext cx="1117006" cy="1047193"/>
           </a:xfrm>
           <a:prstGeom prst="rect">
             <a:avLst/>
@@ -3823,40 +3794,97 @@
       </p:pic>
       <p:sp>
         <p:nvSpPr>
-          <p:cNvPr id="3" name="TekstniOkvir 2">
-            <a:extLst>
-              <a:ext uri="{FF2B5EF4-FFF2-40B4-BE49-F238E27FC236}">
-                <a16:creationId xmlns:a16="http://schemas.microsoft.com/office/drawing/2014/main" id="{827DF140-046B-4633-90E0-2F29B8C48AB1}"/>
-              </a:ext>
-            </a:extLst>
-          </p:cNvPr>
-          <p:cNvSpPr txBox="1"/>
-          <p:nvPr/>
-        </p:nvSpPr>
-        <p:spPr>
-          <a:xfrm>
-            <a:off x="838200" y="6019800"/>
-            <a:ext cx="10953750" cy="369332"/>
-          </a:xfrm>
-          <a:prstGeom prst="rect">
-            <a:avLst/>
-          </a:prstGeom>
-          <a:noFill/>
-        </p:spPr>
-        <p:txBody>
-          <a:bodyPr wrap="square" rtlCol="0">
-            <a:spAutoFit/>
-          </a:bodyPr>
-          <a:lstStyle/>
-          <a:p>
-            <a:pPr algn="r"/>
-            <a:r>
-              <a:rPr lang="hr-HR" dirty="0">
-                <a:solidFill>
-                  <a:srgbClr val="FF0000"/>
-                </a:solidFill>
-              </a:rPr>
-              <a:t>Kako možemo doznati koje su mjerne jedinice?</a:t>
+          <p:cNvPr id="2" name="Naslov 1">
+            <a:extLst>
+              <a:ext uri="{FF2B5EF4-FFF2-40B4-BE49-F238E27FC236}">
+                <a16:creationId xmlns:a16="http://schemas.microsoft.com/office/drawing/2014/main" id="{8ACD8637-9C22-4800-B037-36D3F48FE935}"/>
+              </a:ext>
+            </a:extLst>
+          </p:cNvPr>
+          <p:cNvSpPr>
+            <a:spLocks noGrp="1"/>
+          </p:cNvSpPr>
+          <p:nvPr>
+            <p:ph type="title"/>
+          </p:nvPr>
+        </p:nvSpPr>
+        <p:spPr/>
+        <p:txBody>
+          <a:bodyPr/>
+          <a:lstStyle/>
+          <a:p>
+            <a:r>
+              <a:rPr lang="hr-HR" dirty="0"/>
+              <a:t>Zadatak 2</a:t>
+            </a:r>
+          </a:p>
+        </p:txBody>
+      </p:sp>
+      <p:sp>
+        <p:nvSpPr>
+          <p:cNvPr id="3" name="Rezervirano mjesto sadržaja 2">
+            <a:extLst>
+              <a:ext uri="{FF2B5EF4-FFF2-40B4-BE49-F238E27FC236}">
+                <a16:creationId xmlns:a16="http://schemas.microsoft.com/office/drawing/2014/main" id="{A68995C6-391E-4264-AF25-F6CEDA0FDE89}"/>
+              </a:ext>
+            </a:extLst>
+          </p:cNvPr>
+          <p:cNvSpPr>
+            <a:spLocks noGrp="1"/>
+          </p:cNvSpPr>
+          <p:nvPr>
+            <p:ph idx="1"/>
+          </p:nvPr>
+        </p:nvSpPr>
+        <p:spPr/>
+        <p:txBody>
+          <a:bodyPr/>
+          <a:lstStyle/>
+          <a:p>
+            <a:r>
+              <a:rPr lang="hr-HR" dirty="0"/>
+              <a:t>Dohvatiti podatke koristeći </a:t>
+            </a:r>
+            <a:r>
+              <a:rPr lang="hr-HR" dirty="0" err="1"/>
+              <a:t>requests</a:t>
+            </a:r>
+            <a:r>
+              <a:rPr lang="hr-HR" dirty="0"/>
+              <a:t> i prethodni </a:t>
+            </a:r>
+            <a:r>
+              <a:rPr lang="hr-HR" dirty="0" err="1"/>
+              <a:t>url</a:t>
+            </a:r>
+            <a:endParaRPr lang="hr-HR" dirty="0"/>
+          </a:p>
+          <a:p>
+            <a:r>
+              <a:rPr lang="hr-HR" dirty="0"/>
+              <a:t>Iskoristiti </a:t>
+            </a:r>
+            <a:r>
+              <a:rPr lang="hr-HR" dirty="0" err="1"/>
+              <a:t>response.json</a:t>
+            </a:r>
+            <a:r>
+              <a:rPr lang="hr-HR" dirty="0"/>
+              <a:t>() metodu</a:t>
+            </a:r>
+          </a:p>
+          <a:p>
+            <a:pPr lvl="1"/>
+            <a:r>
+              <a:rPr lang="hr-HR" dirty="0"/>
+              <a:t>Kakav rezultat vraća metoda?</a:t>
+            </a:r>
+          </a:p>
+          <a:p>
+            <a:pPr lvl="1"/>
+            <a:r>
+              <a:rPr lang="hr-HR" dirty="0"/>
+              <a:t>Što sve sadrži rezultat?</a:t>
             </a:r>
           </a:p>
         </p:txBody>
@@ -3864,7 +3892,7 @@
     </p:spTree>
     <p:extLst>
       <p:ext uri="{BB962C8B-B14F-4D97-AF65-F5344CB8AC3E}">
-        <p14:creationId xmlns:p14="http://schemas.microsoft.com/office/powerpoint/2010/main" val="455355503"/>
+        <p14:creationId xmlns:p14="http://schemas.microsoft.com/office/powerpoint/2010/main" val="1098902040"/>
       </p:ext>
     </p:extLst>
   </p:cSld>
@@ -3891,6 +3919,205 @@
           <a:chExt cx="0" cy="0"/>
         </a:xfrm>
       </p:grpSpPr>
+      <p:sp>
+        <p:nvSpPr>
+          <p:cNvPr id="2" name="Naslov 1">
+            <a:extLst>
+              <a:ext uri="{FF2B5EF4-FFF2-40B4-BE49-F238E27FC236}">
+                <a16:creationId xmlns:a16="http://schemas.microsoft.com/office/drawing/2014/main" id="{6D2E7F16-C629-47D5-9A36-BF2207E62CD3}"/>
+              </a:ext>
+            </a:extLst>
+          </p:cNvPr>
+          <p:cNvSpPr>
+            <a:spLocks noGrp="1"/>
+          </p:cNvSpPr>
+          <p:nvPr>
+            <p:ph type="title"/>
+          </p:nvPr>
+        </p:nvSpPr>
+        <p:spPr/>
+        <p:txBody>
+          <a:bodyPr/>
+          <a:lstStyle/>
+          <a:p>
+            <a:r>
+              <a:rPr lang="hr-HR" dirty="0"/>
+              <a:t>Unutarnja struktura podataka</a:t>
+            </a:r>
+          </a:p>
+        </p:txBody>
+      </p:sp>
+      <p:pic>
+        <p:nvPicPr>
+          <p:cNvPr id="5" name="Rezervirano mjesto sadržaja 4">
+            <a:extLst>
+              <a:ext uri="{FF2B5EF4-FFF2-40B4-BE49-F238E27FC236}">
+                <a16:creationId xmlns:a16="http://schemas.microsoft.com/office/drawing/2014/main" id="{A8517AB0-D588-4EC6-BD5B-2DE3A781D4C5}"/>
+              </a:ext>
+            </a:extLst>
+          </p:cNvPr>
+          <p:cNvPicPr>
+            <a:picLocks noGrp="1" noChangeAspect="1"/>
+          </p:cNvPicPr>
+          <p:nvPr>
+            <p:ph idx="1"/>
+          </p:nvPr>
+        </p:nvPicPr>
+        <p:blipFill>
+          <a:blip r:embed="rId2"/>
+          <a:stretch>
+            <a:fillRect/>
+          </a:stretch>
+        </p:blipFill>
+        <p:spPr>
+          <a:xfrm>
+            <a:off x="1474748" y="1471519"/>
+            <a:ext cx="9242503" cy="4351338"/>
+          </a:xfrm>
+          <a:prstGeom prst="rect">
+            <a:avLst/>
+          </a:prstGeom>
+        </p:spPr>
+      </p:pic>
+      <p:sp>
+        <p:nvSpPr>
+          <p:cNvPr id="3" name="TekstniOkvir 2">
+            <a:extLst>
+              <a:ext uri="{FF2B5EF4-FFF2-40B4-BE49-F238E27FC236}">
+                <a16:creationId xmlns:a16="http://schemas.microsoft.com/office/drawing/2014/main" id="{827DF140-046B-4633-90E0-2F29B8C48AB1}"/>
+              </a:ext>
+            </a:extLst>
+          </p:cNvPr>
+          <p:cNvSpPr txBox="1"/>
+          <p:nvPr/>
+        </p:nvSpPr>
+        <p:spPr>
+          <a:xfrm>
+            <a:off x="838200" y="6019800"/>
+            <a:ext cx="10953750" cy="369332"/>
+          </a:xfrm>
+          <a:prstGeom prst="rect">
+            <a:avLst/>
+          </a:prstGeom>
+          <a:noFill/>
+        </p:spPr>
+        <p:txBody>
+          <a:bodyPr wrap="square" rtlCol="0">
+            <a:spAutoFit/>
+          </a:bodyPr>
+          <a:lstStyle/>
+          <a:p>
+            <a:pPr algn="r"/>
+            <a:r>
+              <a:rPr lang="hr-HR" dirty="0">
+                <a:solidFill>
+                  <a:srgbClr val="FF0000"/>
+                </a:solidFill>
+              </a:rPr>
+              <a:t>Kako možemo doznati koje su mjerne jedinice?</a:t>
+            </a:r>
+          </a:p>
+        </p:txBody>
+      </p:sp>
+      <p:pic>
+        <p:nvPicPr>
+          <p:cNvPr id="4" name="Grafika 3" descr="Zupčanici">
+            <a:extLst>
+              <a:ext uri="{FF2B5EF4-FFF2-40B4-BE49-F238E27FC236}">
+                <a16:creationId xmlns:a16="http://schemas.microsoft.com/office/drawing/2014/main" id="{CAA19138-7AE5-C3D6-D7FF-73EC0EB6F0B8}"/>
+              </a:ext>
+            </a:extLst>
+          </p:cNvPr>
+          <p:cNvPicPr>
+            <a:picLocks noChangeAspect="1"/>
+          </p:cNvPicPr>
+          <p:nvPr/>
+        </p:nvPicPr>
+        <p:blipFill>
+          <a:blip r:embed="rId3">
+            <a:extLst>
+              <a:ext uri="{28A0092B-C50C-407E-A947-70E740481C1C}">
+                <a14:useLocalDpi xmlns:a14="http://schemas.microsoft.com/office/drawing/2010/main" val="0"/>
+              </a:ext>
+              <a:ext uri="{96DAC541-7B7A-43D3-8B79-37D633B846F1}">
+                <asvg:svgBlip xmlns:asvg="http://schemas.microsoft.com/office/drawing/2016/SVG/main" r:embed="rId4"/>
+              </a:ext>
+            </a:extLst>
+          </a:blip>
+          <a:stretch>
+            <a:fillRect/>
+          </a:stretch>
+        </p:blipFill>
+        <p:spPr>
+          <a:xfrm>
+            <a:off x="77730" y="113506"/>
+            <a:ext cx="914400" cy="914400"/>
+          </a:xfrm>
+          <a:prstGeom prst="rect">
+            <a:avLst/>
+          </a:prstGeom>
+        </p:spPr>
+      </p:pic>
+    </p:spTree>
+    <p:extLst>
+      <p:ext uri="{BB962C8B-B14F-4D97-AF65-F5344CB8AC3E}">
+        <p14:creationId xmlns:p14="http://schemas.microsoft.com/office/powerpoint/2010/main" val="455355503"/>
+      </p:ext>
+    </p:extLst>
+  </p:cSld>
+  <p:clrMapOvr>
+    <a:masterClrMapping/>
+  </p:clrMapOvr>
+</p:sld>
+</file>
+
+<file path=ppt/slides/slide13.xml><?xml version="1.0" encoding="utf-8"?>
+<p:sld xmlns:a="http://schemas.openxmlformats.org/drawingml/2006/main" xmlns:r="http://schemas.openxmlformats.org/officeDocument/2006/relationships" xmlns:p="http://schemas.openxmlformats.org/presentationml/2006/main">
+  <p:cSld>
+    <p:spTree>
+      <p:nvGrpSpPr>
+        <p:cNvPr id="1" name=""/>
+        <p:cNvGrpSpPr/>
+        <p:nvPr/>
+      </p:nvGrpSpPr>
+      <p:grpSpPr>
+        <a:xfrm>
+          <a:off x="0" y="0"/>
+          <a:ext cx="0" cy="0"/>
+          <a:chOff x="0" y="0"/>
+          <a:chExt cx="0" cy="0"/>
+        </a:xfrm>
+      </p:grpSpPr>
+      <p:pic>
+        <p:nvPicPr>
+          <p:cNvPr id="5" name="Slika 4">
+            <a:extLst>
+              <a:ext uri="{FF2B5EF4-FFF2-40B4-BE49-F238E27FC236}">
+                <a16:creationId xmlns:a16="http://schemas.microsoft.com/office/drawing/2014/main" id="{18EEC5DE-D735-628C-B710-C4D75EF7DF73}"/>
+              </a:ext>
+            </a:extLst>
+          </p:cNvPr>
+          <p:cNvPicPr>
+            <a:picLocks noChangeAspect="1"/>
+          </p:cNvPicPr>
+          <p:nvPr/>
+        </p:nvPicPr>
+        <p:blipFill>
+          <a:blip r:embed="rId2"/>
+          <a:stretch>
+            <a:fillRect/>
+          </a:stretch>
+        </p:blipFill>
+        <p:spPr>
+          <a:xfrm>
+            <a:off x="146243" y="157440"/>
+            <a:ext cx="1117006" cy="1047193"/>
+          </a:xfrm>
+          <a:prstGeom prst="rect">
+            <a:avLst/>
+          </a:prstGeom>
+        </p:spPr>
+      </p:pic>
       <p:sp>
         <p:nvSpPr>
           <p:cNvPr id="2" name="Naslov 1">
@@ -4386,7 +4613,7 @@
             </p:nvSpPr>
             <p:spPr>
               <a:blipFill>
-                <a:blip r:embed="rId2"/>
+                <a:blip r:embed="rId3"/>
                 <a:stretch>
                   <a:fillRect l="-1043"/>
                 </a:stretch>
@@ -4420,92 +4647,6 @@
 </p:sld>
 </file>
 
-<file path=ppt/slides/slide13.xml><?xml version="1.0" encoding="utf-8"?>
-<p:sld xmlns:a="http://schemas.openxmlformats.org/drawingml/2006/main" xmlns:r="http://schemas.openxmlformats.org/officeDocument/2006/relationships" xmlns:p="http://schemas.openxmlformats.org/presentationml/2006/main">
-  <p:cSld>
-    <p:spTree>
-      <p:nvGrpSpPr>
-        <p:cNvPr id="1" name=""/>
-        <p:cNvGrpSpPr/>
-        <p:nvPr/>
-      </p:nvGrpSpPr>
-      <p:grpSpPr>
-        <a:xfrm>
-          <a:off x="0" y="0"/>
-          <a:ext cx="0" cy="0"/>
-          <a:chOff x="0" y="0"/>
-          <a:chExt cx="0" cy="0"/>
-        </a:xfrm>
-      </p:grpSpPr>
-      <p:sp>
-        <p:nvSpPr>
-          <p:cNvPr id="2" name="Naslov 1">
-            <a:extLst>
-              <a:ext uri="{FF2B5EF4-FFF2-40B4-BE49-F238E27FC236}">
-                <a16:creationId xmlns:a16="http://schemas.microsoft.com/office/drawing/2014/main" id="{01D6B897-12E3-4FC8-AD36-365560A51E26}"/>
-              </a:ext>
-            </a:extLst>
-          </p:cNvPr>
-          <p:cNvSpPr>
-            <a:spLocks noGrp="1"/>
-          </p:cNvSpPr>
-          <p:nvPr>
-            <p:ph type="title"/>
-          </p:nvPr>
-        </p:nvSpPr>
-        <p:spPr/>
-        <p:txBody>
-          <a:bodyPr/>
-          <a:lstStyle/>
-          <a:p>
-            <a:r>
-              <a:rPr lang="hr-HR" dirty="0"/>
-              <a:t>Zadatak 4</a:t>
-            </a:r>
-          </a:p>
-        </p:txBody>
-      </p:sp>
-      <p:sp>
-        <p:nvSpPr>
-          <p:cNvPr id="3" name="Rezervirano mjesto sadržaja 2">
-            <a:extLst>
-              <a:ext uri="{FF2B5EF4-FFF2-40B4-BE49-F238E27FC236}">
-                <a16:creationId xmlns:a16="http://schemas.microsoft.com/office/drawing/2014/main" id="{E4807958-7517-4EC3-9A63-EB6DB323D9EB}"/>
-              </a:ext>
-            </a:extLst>
-          </p:cNvPr>
-          <p:cNvSpPr>
-            <a:spLocks noGrp="1"/>
-          </p:cNvSpPr>
-          <p:nvPr>
-            <p:ph idx="1"/>
-          </p:nvPr>
-        </p:nvSpPr>
-        <p:spPr/>
-        <p:txBody>
-          <a:bodyPr/>
-          <a:lstStyle/>
-          <a:p>
-            <a:r>
-              <a:rPr lang="hr-HR" dirty="0"/>
-              <a:t>Spremiti podatke u datoteku</a:t>
-            </a:r>
-          </a:p>
-        </p:txBody>
-      </p:sp>
-    </p:spTree>
-    <p:extLst>
-      <p:ext uri="{BB962C8B-B14F-4D97-AF65-F5344CB8AC3E}">
-        <p14:creationId xmlns:p14="http://schemas.microsoft.com/office/powerpoint/2010/main" val="939608560"/>
-      </p:ext>
-    </p:extLst>
-  </p:cSld>
-  <p:clrMapOvr>
-    <a:masterClrMapping/>
-  </p:clrMapOvr>
-</p:sld>
-</file>
-
 <file path=ppt/slides/slide14.xml><?xml version="1.0" encoding="utf-8"?>
 <p:sld xmlns:a="http://schemas.openxmlformats.org/drawingml/2006/main" xmlns:r="http://schemas.openxmlformats.org/officeDocument/2006/relationships" xmlns:p="http://schemas.openxmlformats.org/presentationml/2006/main">
   <p:cSld>
@@ -4523,103 +4664,12 @@
           <a:chExt cx="0" cy="0"/>
         </a:xfrm>
       </p:grpSpPr>
-      <p:sp>
-        <p:nvSpPr>
-          <p:cNvPr id="2" name="Naslov 1">
-            <a:extLst>
-              <a:ext uri="{FF2B5EF4-FFF2-40B4-BE49-F238E27FC236}">
-                <a16:creationId xmlns:a16="http://schemas.microsoft.com/office/drawing/2014/main" id="{9D297F08-D574-41B6-BD51-39747BB16A8D}"/>
-              </a:ext>
-            </a:extLst>
-          </p:cNvPr>
-          <p:cNvSpPr>
-            <a:spLocks noGrp="1"/>
-          </p:cNvSpPr>
-          <p:nvPr>
-            <p:ph type="title"/>
-          </p:nvPr>
-        </p:nvSpPr>
-        <p:spPr/>
-        <p:txBody>
-          <a:bodyPr/>
-          <a:lstStyle/>
-          <a:p>
-            <a:r>
-              <a:rPr lang="hr-HR" dirty="0"/>
-              <a:t>Crtanje grafova - </a:t>
-            </a:r>
-            <a:r>
-              <a:rPr lang="hr-HR" dirty="0" err="1"/>
-              <a:t>matplotlib</a:t>
-            </a:r>
-            <a:endParaRPr lang="hr-HR" dirty="0"/>
-          </a:p>
-        </p:txBody>
-      </p:sp>
-      <p:sp>
-        <p:nvSpPr>
-          <p:cNvPr id="3" name="Rezervirano mjesto sadržaja 2">
-            <a:extLst>
-              <a:ext uri="{FF2B5EF4-FFF2-40B4-BE49-F238E27FC236}">
-                <a16:creationId xmlns:a16="http://schemas.microsoft.com/office/drawing/2014/main" id="{A32FC6E2-C086-4157-AA02-8DA080C29506}"/>
-              </a:ext>
-            </a:extLst>
-          </p:cNvPr>
-          <p:cNvSpPr>
-            <a:spLocks noGrp="1"/>
-          </p:cNvSpPr>
-          <p:nvPr>
-            <p:ph idx="1"/>
-          </p:nvPr>
-        </p:nvSpPr>
-        <p:spPr/>
-        <p:txBody>
-          <a:bodyPr/>
-          <a:lstStyle/>
-          <a:p>
-            <a:r>
-              <a:rPr lang="hr-HR" dirty="0">
-                <a:hlinkClick r:id="rId2"/>
-              </a:rPr>
-              <a:t>Gallery — </a:t>
-            </a:r>
-            <a:r>
-              <a:rPr lang="hr-HR" dirty="0" err="1">
-                <a:hlinkClick r:id="rId2"/>
-              </a:rPr>
-              <a:t>Matplotlib</a:t>
-            </a:r>
-            <a:r>
-              <a:rPr lang="hr-HR" dirty="0">
-                <a:hlinkClick r:id="rId2"/>
-              </a:rPr>
-              <a:t> 3.3.2 </a:t>
-            </a:r>
-            <a:r>
-              <a:rPr lang="hr-HR" dirty="0" err="1">
-                <a:hlinkClick r:id="rId2"/>
-              </a:rPr>
-              <a:t>documentation</a:t>
-            </a:r>
-            <a:endParaRPr lang="hr-HR" dirty="0"/>
-          </a:p>
-          <a:p>
-            <a:pPr marL="0" indent="0">
-              <a:buNone/>
-            </a:pPr>
-            <a:endParaRPr lang="hr-HR" dirty="0"/>
-          </a:p>
-          <a:p>
-            <a:endParaRPr lang="hr-HR" dirty="0"/>
-          </a:p>
-        </p:txBody>
-      </p:sp>
       <p:pic>
         <p:nvPicPr>
           <p:cNvPr id="5" name="Slika 4">
             <a:extLst>
               <a:ext uri="{FF2B5EF4-FFF2-40B4-BE49-F238E27FC236}">
-                <a16:creationId xmlns:a16="http://schemas.microsoft.com/office/drawing/2014/main" id="{47463CC8-3403-4167-AEF0-06A215A2798C}"/>
+                <a16:creationId xmlns:a16="http://schemas.microsoft.com/office/drawing/2014/main" id="{85090D52-4CFE-42F4-6229-9F92F64F6A49}"/>
               </a:ext>
             </a:extLst>
           </p:cNvPr>
@@ -4629,55 +4679,81 @@
           <p:nvPr/>
         </p:nvPicPr>
         <p:blipFill>
-          <a:blip r:embed="rId3"/>
+          <a:blip r:embed="rId2"/>
           <a:stretch>
             <a:fillRect/>
           </a:stretch>
         </p:blipFill>
         <p:spPr>
           <a:xfrm>
-            <a:off x="1156888" y="2752513"/>
-            <a:ext cx="5725324" cy="3029373"/>
+            <a:off x="146243" y="157440"/>
+            <a:ext cx="1117006" cy="1047193"/>
           </a:xfrm>
           <a:prstGeom prst="rect">
             <a:avLst/>
           </a:prstGeom>
         </p:spPr>
       </p:pic>
-      <p:pic>
-        <p:nvPicPr>
-          <p:cNvPr id="7" name="Slika 6">
-            <a:extLst>
-              <a:ext uri="{FF2B5EF4-FFF2-40B4-BE49-F238E27FC236}">
-                <a16:creationId xmlns:a16="http://schemas.microsoft.com/office/drawing/2014/main" id="{33EC27E6-3334-484F-BB1A-CF9F94536781}"/>
-              </a:ext>
-            </a:extLst>
-          </p:cNvPr>
-          <p:cNvPicPr>
-            <a:picLocks noChangeAspect="1"/>
-          </p:cNvPicPr>
-          <p:nvPr/>
-        </p:nvPicPr>
-        <p:blipFill>
-          <a:blip r:embed="rId4"/>
-          <a:stretch>
-            <a:fillRect/>
-          </a:stretch>
-        </p:blipFill>
-        <p:spPr>
-          <a:xfrm>
-            <a:off x="6980102" y="2552527"/>
-            <a:ext cx="4397069" cy="3229359"/>
-          </a:xfrm>
-          <a:prstGeom prst="rect">
-            <a:avLst/>
-          </a:prstGeom>
-        </p:spPr>
-      </p:pic>
+      <p:sp>
+        <p:nvSpPr>
+          <p:cNvPr id="2" name="Naslov 1">
+            <a:extLst>
+              <a:ext uri="{FF2B5EF4-FFF2-40B4-BE49-F238E27FC236}">
+                <a16:creationId xmlns:a16="http://schemas.microsoft.com/office/drawing/2014/main" id="{01D6B897-12E3-4FC8-AD36-365560A51E26}"/>
+              </a:ext>
+            </a:extLst>
+          </p:cNvPr>
+          <p:cNvSpPr>
+            <a:spLocks noGrp="1"/>
+          </p:cNvSpPr>
+          <p:nvPr>
+            <p:ph type="title"/>
+          </p:nvPr>
+        </p:nvSpPr>
+        <p:spPr/>
+        <p:txBody>
+          <a:bodyPr/>
+          <a:lstStyle/>
+          <a:p>
+            <a:r>
+              <a:rPr lang="hr-HR" dirty="0"/>
+              <a:t>Zadatak 4</a:t>
+            </a:r>
+          </a:p>
+        </p:txBody>
+      </p:sp>
+      <p:sp>
+        <p:nvSpPr>
+          <p:cNvPr id="3" name="Rezervirano mjesto sadržaja 2">
+            <a:extLst>
+              <a:ext uri="{FF2B5EF4-FFF2-40B4-BE49-F238E27FC236}">
+                <a16:creationId xmlns:a16="http://schemas.microsoft.com/office/drawing/2014/main" id="{E4807958-7517-4EC3-9A63-EB6DB323D9EB}"/>
+              </a:ext>
+            </a:extLst>
+          </p:cNvPr>
+          <p:cNvSpPr>
+            <a:spLocks noGrp="1"/>
+          </p:cNvSpPr>
+          <p:nvPr>
+            <p:ph idx="1"/>
+          </p:nvPr>
+        </p:nvSpPr>
+        <p:spPr/>
+        <p:txBody>
+          <a:bodyPr/>
+          <a:lstStyle/>
+          <a:p>
+            <a:r>
+              <a:rPr lang="hr-HR" dirty="0"/>
+              <a:t>Spremiti podatke u datoteku</a:t>
+            </a:r>
+          </a:p>
+        </p:txBody>
+      </p:sp>
     </p:spTree>
     <p:extLst>
       <p:ext uri="{BB962C8B-B14F-4D97-AF65-F5344CB8AC3E}">
-        <p14:creationId xmlns:p14="http://schemas.microsoft.com/office/powerpoint/2010/main" val="769057737"/>
+        <p14:creationId xmlns:p14="http://schemas.microsoft.com/office/powerpoint/2010/main" val="939608560"/>
       </p:ext>
     </p:extLst>
   </p:cSld>
@@ -4709,7 +4785,7 @@
           <p:cNvPr id="2" name="Naslov 1">
             <a:extLst>
               <a:ext uri="{FF2B5EF4-FFF2-40B4-BE49-F238E27FC236}">
-                <a16:creationId xmlns:a16="http://schemas.microsoft.com/office/drawing/2014/main" id="{BB604771-ED9F-4E58-B945-18E82C251523}"/>
+                <a16:creationId xmlns:a16="http://schemas.microsoft.com/office/drawing/2014/main" id="{9D297F08-D574-41B6-BD51-39747BB16A8D}"/>
               </a:ext>
             </a:extLst>
           </p:cNvPr>
@@ -4727,8 +4803,13 @@
           <a:p>
             <a:r>
               <a:rPr lang="hr-HR" dirty="0"/>
-              <a:t>Zadatak 5</a:t>
-            </a:r>
+              <a:t>Crtanje grafova - </a:t>
+            </a:r>
+            <a:r>
+              <a:rPr lang="hr-HR" dirty="0" err="1"/>
+              <a:t>matplotlib</a:t>
+            </a:r>
+            <a:endParaRPr lang="hr-HR" dirty="0"/>
           </a:p>
         </p:txBody>
       </p:sp>
@@ -4737,7 +4818,7 @@
           <p:cNvPr id="3" name="Rezervirano mjesto sadržaja 2">
             <a:extLst>
               <a:ext uri="{FF2B5EF4-FFF2-40B4-BE49-F238E27FC236}">
-                <a16:creationId xmlns:a16="http://schemas.microsoft.com/office/drawing/2014/main" id="{09307C75-E134-459F-8F5B-CA6708E074FD}"/>
+                <a16:creationId xmlns:a16="http://schemas.microsoft.com/office/drawing/2014/main" id="{A32FC6E2-C086-4157-AA02-8DA080C29506}"/>
               </a:ext>
             </a:extLst>
           </p:cNvPr>
@@ -4754,15 +4835,39 @@
           <a:lstStyle/>
           <a:p>
             <a:r>
-              <a:rPr lang="hr-HR" dirty="0"/>
-              <a:t>Nacrtati graf ovisnosti temperature o vremenu temeljem spremljenih podataka</a:t>
-            </a:r>
-          </a:p>
-          <a:p>
-            <a:r>
-              <a:rPr lang="hr-HR" dirty="0"/>
-              <a:t>Promijeniti boju markera </a:t>
-            </a:r>
+              <a:rPr lang="hr-HR" dirty="0">
+                <a:hlinkClick r:id="rId2"/>
+              </a:rPr>
+              <a:t>Gallery — </a:t>
+            </a:r>
+            <a:r>
+              <a:rPr lang="hr-HR" dirty="0" err="1">
+                <a:hlinkClick r:id="rId2"/>
+              </a:rPr>
+              <a:t>Matplotlib</a:t>
+            </a:r>
+            <a:r>
+              <a:rPr lang="hr-HR" dirty="0">
+                <a:hlinkClick r:id="rId2"/>
+              </a:rPr>
+              <a:t> 3.3.2 </a:t>
+            </a:r>
+            <a:r>
+              <a:rPr lang="hr-HR" dirty="0" err="1">
+                <a:hlinkClick r:id="rId2"/>
+              </a:rPr>
+              <a:t>documentation</a:t>
+            </a:r>
+            <a:endParaRPr lang="hr-HR" dirty="0"/>
+          </a:p>
+          <a:p>
+            <a:pPr marL="0" indent="0">
+              <a:buNone/>
+            </a:pPr>
+            <a:endParaRPr lang="hr-HR" dirty="0"/>
+          </a:p>
+          <a:p>
+            <a:endParaRPr lang="hr-HR" dirty="0"/>
           </a:p>
         </p:txBody>
       </p:sp>
@@ -4771,7 +4876,136 @@
           <p:cNvPr id="5" name="Slika 4">
             <a:extLst>
               <a:ext uri="{FF2B5EF4-FFF2-40B4-BE49-F238E27FC236}">
-                <a16:creationId xmlns:a16="http://schemas.microsoft.com/office/drawing/2014/main" id="{6AFBA30F-B695-487F-A7C6-869BAADCF3F3}"/>
+                <a16:creationId xmlns:a16="http://schemas.microsoft.com/office/drawing/2014/main" id="{47463CC8-3403-4167-AEF0-06A215A2798C}"/>
+              </a:ext>
+            </a:extLst>
+          </p:cNvPr>
+          <p:cNvPicPr>
+            <a:picLocks noChangeAspect="1"/>
+          </p:cNvPicPr>
+          <p:nvPr/>
+        </p:nvPicPr>
+        <p:blipFill>
+          <a:blip r:embed="rId3"/>
+          <a:stretch>
+            <a:fillRect/>
+          </a:stretch>
+        </p:blipFill>
+        <p:spPr>
+          <a:xfrm>
+            <a:off x="1156888" y="2752513"/>
+            <a:ext cx="5725324" cy="3029373"/>
+          </a:xfrm>
+          <a:prstGeom prst="rect">
+            <a:avLst/>
+          </a:prstGeom>
+        </p:spPr>
+      </p:pic>
+      <p:pic>
+        <p:nvPicPr>
+          <p:cNvPr id="7" name="Slika 6">
+            <a:extLst>
+              <a:ext uri="{FF2B5EF4-FFF2-40B4-BE49-F238E27FC236}">
+                <a16:creationId xmlns:a16="http://schemas.microsoft.com/office/drawing/2014/main" id="{33EC27E6-3334-484F-BB1A-CF9F94536781}"/>
+              </a:ext>
+            </a:extLst>
+          </p:cNvPr>
+          <p:cNvPicPr>
+            <a:picLocks noChangeAspect="1"/>
+          </p:cNvPicPr>
+          <p:nvPr/>
+        </p:nvPicPr>
+        <p:blipFill>
+          <a:blip r:embed="rId4"/>
+          <a:stretch>
+            <a:fillRect/>
+          </a:stretch>
+        </p:blipFill>
+        <p:spPr>
+          <a:xfrm>
+            <a:off x="6980102" y="2552527"/>
+            <a:ext cx="4397069" cy="3229359"/>
+          </a:xfrm>
+          <a:prstGeom prst="rect">
+            <a:avLst/>
+          </a:prstGeom>
+        </p:spPr>
+      </p:pic>
+      <p:pic>
+        <p:nvPicPr>
+          <p:cNvPr id="4" name="Grafika 3" descr="Zupčanici">
+            <a:extLst>
+              <a:ext uri="{FF2B5EF4-FFF2-40B4-BE49-F238E27FC236}">
+                <a16:creationId xmlns:a16="http://schemas.microsoft.com/office/drawing/2014/main" id="{99B97214-17A6-D288-9211-13370B2789F0}"/>
+              </a:ext>
+            </a:extLst>
+          </p:cNvPr>
+          <p:cNvPicPr>
+            <a:picLocks noChangeAspect="1"/>
+          </p:cNvPicPr>
+          <p:nvPr/>
+        </p:nvPicPr>
+        <p:blipFill>
+          <a:blip r:embed="rId5">
+            <a:extLst>
+              <a:ext uri="{28A0092B-C50C-407E-A947-70E740481C1C}">
+                <a14:useLocalDpi xmlns:a14="http://schemas.microsoft.com/office/drawing/2010/main" val="0"/>
+              </a:ext>
+              <a:ext uri="{96DAC541-7B7A-43D3-8B79-37D633B846F1}">
+                <asvg:svgBlip xmlns:asvg="http://schemas.microsoft.com/office/drawing/2016/SVG/main" r:embed="rId6"/>
+              </a:ext>
+            </a:extLst>
+          </a:blip>
+          <a:stretch>
+            <a:fillRect/>
+          </a:stretch>
+        </p:blipFill>
+        <p:spPr>
+          <a:xfrm>
+            <a:off x="77730" y="113506"/>
+            <a:ext cx="914400" cy="914400"/>
+          </a:xfrm>
+          <a:prstGeom prst="rect">
+            <a:avLst/>
+          </a:prstGeom>
+        </p:spPr>
+      </p:pic>
+    </p:spTree>
+    <p:extLst>
+      <p:ext uri="{BB962C8B-B14F-4D97-AF65-F5344CB8AC3E}">
+        <p14:creationId xmlns:p14="http://schemas.microsoft.com/office/powerpoint/2010/main" val="769057737"/>
+      </p:ext>
+    </p:extLst>
+  </p:cSld>
+  <p:clrMapOvr>
+    <a:masterClrMapping/>
+  </p:clrMapOvr>
+</p:sld>
+</file>
+
+<file path=ppt/slides/slide16.xml><?xml version="1.0" encoding="utf-8"?>
+<p:sld xmlns:a="http://schemas.openxmlformats.org/drawingml/2006/main" xmlns:r="http://schemas.openxmlformats.org/officeDocument/2006/relationships" xmlns:p="http://schemas.openxmlformats.org/presentationml/2006/main">
+  <p:cSld>
+    <p:spTree>
+      <p:nvGrpSpPr>
+        <p:cNvPr id="1" name=""/>
+        <p:cNvGrpSpPr/>
+        <p:nvPr/>
+      </p:nvGrpSpPr>
+      <p:grpSpPr>
+        <a:xfrm>
+          <a:off x="0" y="0"/>
+          <a:ext cx="0" cy="0"/>
+          <a:chOff x="0" y="0"/>
+          <a:chExt cx="0" cy="0"/>
+        </a:xfrm>
+      </p:grpSpPr>
+      <p:pic>
+        <p:nvPicPr>
+          <p:cNvPr id="7" name="Slika 6">
+            <a:extLst>
+              <a:ext uri="{FF2B5EF4-FFF2-40B4-BE49-F238E27FC236}">
+                <a16:creationId xmlns:a16="http://schemas.microsoft.com/office/drawing/2014/main" id="{CAF8363B-7A73-976B-EA01-D51FE7E8023E}"/>
               </a:ext>
             </a:extLst>
           </p:cNvPr>
@@ -4782,6 +5016,98 @@
         </p:nvPicPr>
         <p:blipFill>
           <a:blip r:embed="rId2"/>
+          <a:stretch>
+            <a:fillRect/>
+          </a:stretch>
+        </p:blipFill>
+        <p:spPr>
+          <a:xfrm>
+            <a:off x="146243" y="157440"/>
+            <a:ext cx="1117006" cy="1047193"/>
+          </a:xfrm>
+          <a:prstGeom prst="rect">
+            <a:avLst/>
+          </a:prstGeom>
+        </p:spPr>
+      </p:pic>
+      <p:sp>
+        <p:nvSpPr>
+          <p:cNvPr id="2" name="Naslov 1">
+            <a:extLst>
+              <a:ext uri="{FF2B5EF4-FFF2-40B4-BE49-F238E27FC236}">
+                <a16:creationId xmlns:a16="http://schemas.microsoft.com/office/drawing/2014/main" id="{BB604771-ED9F-4E58-B945-18E82C251523}"/>
+              </a:ext>
+            </a:extLst>
+          </p:cNvPr>
+          <p:cNvSpPr>
+            <a:spLocks noGrp="1"/>
+          </p:cNvSpPr>
+          <p:nvPr>
+            <p:ph type="title"/>
+          </p:nvPr>
+        </p:nvSpPr>
+        <p:spPr/>
+        <p:txBody>
+          <a:bodyPr/>
+          <a:lstStyle/>
+          <a:p>
+            <a:r>
+              <a:rPr lang="hr-HR" dirty="0"/>
+              <a:t>Zadatak 5</a:t>
+            </a:r>
+          </a:p>
+        </p:txBody>
+      </p:sp>
+      <p:sp>
+        <p:nvSpPr>
+          <p:cNvPr id="3" name="Rezervirano mjesto sadržaja 2">
+            <a:extLst>
+              <a:ext uri="{FF2B5EF4-FFF2-40B4-BE49-F238E27FC236}">
+                <a16:creationId xmlns:a16="http://schemas.microsoft.com/office/drawing/2014/main" id="{09307C75-E134-459F-8F5B-CA6708E074FD}"/>
+              </a:ext>
+            </a:extLst>
+          </p:cNvPr>
+          <p:cNvSpPr>
+            <a:spLocks noGrp="1"/>
+          </p:cNvSpPr>
+          <p:nvPr>
+            <p:ph idx="1"/>
+          </p:nvPr>
+        </p:nvSpPr>
+        <p:spPr/>
+        <p:txBody>
+          <a:bodyPr/>
+          <a:lstStyle/>
+          <a:p>
+            <a:r>
+              <a:rPr lang="hr-HR" dirty="0"/>
+              <a:t>Nacrtati graf ovisnosti temperature o vremenu temeljem spremljenih podataka</a:t>
+            </a:r>
+          </a:p>
+          <a:p>
+            <a:r>
+              <a:rPr lang="hr-HR" dirty="0"/>
+              <a:t>Promijeniti boju markera </a:t>
+            </a:r>
+          </a:p>
+        </p:txBody>
+      </p:sp>
+      <p:pic>
+        <p:nvPicPr>
+          <p:cNvPr id="5" name="Slika 4">
+            <a:extLst>
+              <a:ext uri="{FF2B5EF4-FFF2-40B4-BE49-F238E27FC236}">
+                <a16:creationId xmlns:a16="http://schemas.microsoft.com/office/drawing/2014/main" id="{6AFBA30F-B695-487F-A7C6-869BAADCF3F3}"/>
+              </a:ext>
+            </a:extLst>
+          </p:cNvPr>
+          <p:cNvPicPr>
+            <a:picLocks noChangeAspect="1"/>
+          </p:cNvPicPr>
+          <p:nvPr/>
+        </p:nvPicPr>
+        <p:blipFill>
+          <a:blip r:embed="rId3"/>
           <a:stretch>
             <a:fillRect/>
           </a:stretch>
@@ -4809,7 +5135,7 @@
 </p:sld>
 </file>
 
-<file path=ppt/slides/slide16.xml><?xml version="1.0" encoding="utf-8"?>
+<file path=ppt/slides/slide17.xml><?xml version="1.0" encoding="utf-8"?>
 <p:sld xmlns:a="http://schemas.openxmlformats.org/drawingml/2006/main" xmlns:r="http://schemas.openxmlformats.org/officeDocument/2006/relationships" xmlns:p="http://schemas.openxmlformats.org/presentationml/2006/main">
   <p:cSld>
     <p:spTree>
@@ -4927,210 +5253,49 @@
           </a:prstGeom>
         </p:spPr>
       </p:pic>
+      <p:pic>
+        <p:nvPicPr>
+          <p:cNvPr id="4" name="Grafika 3" descr="Zupčanici">
+            <a:extLst>
+              <a:ext uri="{FF2B5EF4-FFF2-40B4-BE49-F238E27FC236}">
+                <a16:creationId xmlns:a16="http://schemas.microsoft.com/office/drawing/2014/main" id="{8C4F3D45-E583-62AA-ED8B-2BAD28EC30D3}"/>
+              </a:ext>
+            </a:extLst>
+          </p:cNvPr>
+          <p:cNvPicPr>
+            <a:picLocks noChangeAspect="1"/>
+          </p:cNvPicPr>
+          <p:nvPr/>
+        </p:nvPicPr>
+        <p:blipFill>
+          <a:blip r:embed="rId4">
+            <a:extLst>
+              <a:ext uri="{28A0092B-C50C-407E-A947-70E740481C1C}">
+                <a14:useLocalDpi xmlns:a14="http://schemas.microsoft.com/office/drawing/2010/main" val="0"/>
+              </a:ext>
+              <a:ext uri="{96DAC541-7B7A-43D3-8B79-37D633B846F1}">
+                <asvg:svgBlip xmlns:asvg="http://schemas.microsoft.com/office/drawing/2016/SVG/main" r:embed="rId5"/>
+              </a:ext>
+            </a:extLst>
+          </a:blip>
+          <a:stretch>
+            <a:fillRect/>
+          </a:stretch>
+        </p:blipFill>
+        <p:spPr>
+          <a:xfrm>
+            <a:off x="77730" y="113506"/>
+            <a:ext cx="914400" cy="914400"/>
+          </a:xfrm>
+          <a:prstGeom prst="rect">
+            <a:avLst/>
+          </a:prstGeom>
+        </p:spPr>
+      </p:pic>
     </p:spTree>
     <p:extLst>
       <p:ext uri="{BB962C8B-B14F-4D97-AF65-F5344CB8AC3E}">
         <p14:creationId xmlns:p14="http://schemas.microsoft.com/office/powerpoint/2010/main" val="2106077504"/>
-      </p:ext>
-    </p:extLst>
-  </p:cSld>
-  <p:clrMapOvr>
-    <a:masterClrMapping/>
-  </p:clrMapOvr>
-</p:sld>
-</file>
-
-<file path=ppt/slides/slide17.xml><?xml version="1.0" encoding="utf-8"?>
-<p:sld xmlns:a="http://schemas.openxmlformats.org/drawingml/2006/main" xmlns:r="http://schemas.openxmlformats.org/officeDocument/2006/relationships" xmlns:p="http://schemas.openxmlformats.org/presentationml/2006/main">
-  <p:cSld>
-    <p:spTree>
-      <p:nvGrpSpPr>
-        <p:cNvPr id="1" name=""/>
-        <p:cNvGrpSpPr/>
-        <p:nvPr/>
-      </p:nvGrpSpPr>
-      <p:grpSpPr>
-        <a:xfrm>
-          <a:off x="0" y="0"/>
-          <a:ext cx="0" cy="0"/>
-          <a:chOff x="0" y="0"/>
-          <a:chExt cx="0" cy="0"/>
-        </a:xfrm>
-      </p:grpSpPr>
-      <p:sp>
-        <p:nvSpPr>
-          <p:cNvPr id="2" name="Naslov 1">
-            <a:extLst>
-              <a:ext uri="{FF2B5EF4-FFF2-40B4-BE49-F238E27FC236}">
-                <a16:creationId xmlns:a16="http://schemas.microsoft.com/office/drawing/2014/main" id="{819201F4-8F65-4C36-B58D-590F659D06FC}"/>
-              </a:ext>
-            </a:extLst>
-          </p:cNvPr>
-          <p:cNvSpPr>
-            <a:spLocks noGrp="1"/>
-          </p:cNvSpPr>
-          <p:nvPr>
-            <p:ph type="title"/>
-          </p:nvPr>
-        </p:nvSpPr>
-        <p:spPr/>
-        <p:txBody>
-          <a:bodyPr/>
-          <a:lstStyle/>
-          <a:p>
-            <a:r>
-              <a:rPr lang="hr-HR" dirty="0"/>
-              <a:t>Tablični prikaz podataka</a:t>
-            </a:r>
-          </a:p>
-        </p:txBody>
-      </p:sp>
-      <p:sp>
-        <p:nvSpPr>
-          <p:cNvPr id="3" name="Rezervirano mjesto sadržaja 2">
-            <a:extLst>
-              <a:ext uri="{FF2B5EF4-FFF2-40B4-BE49-F238E27FC236}">
-                <a16:creationId xmlns:a16="http://schemas.microsoft.com/office/drawing/2014/main" id="{DE4CD3C5-75AA-4108-B222-8DDA53D0B53C}"/>
-              </a:ext>
-            </a:extLst>
-          </p:cNvPr>
-          <p:cNvSpPr>
-            <a:spLocks noGrp="1"/>
-          </p:cNvSpPr>
-          <p:nvPr>
-            <p:ph idx="1"/>
-          </p:nvPr>
-        </p:nvSpPr>
-        <p:spPr>
-          <a:xfrm>
-            <a:off x="838200" y="1501775"/>
-            <a:ext cx="10515600" cy="4351338"/>
-          </a:xfrm>
-        </p:spPr>
-        <p:txBody>
-          <a:bodyPr/>
-          <a:lstStyle/>
-          <a:p>
-            <a:r>
-              <a:rPr lang="hr-HR" dirty="0" err="1"/>
-              <a:t>Pandas</a:t>
-            </a:r>
-            <a:endParaRPr lang="hr-HR" dirty="0"/>
-          </a:p>
-          <a:p>
-            <a:pPr lvl="1"/>
-            <a:r>
-              <a:rPr lang="hr-HR" dirty="0"/>
-              <a:t>Popularna biblioteka zasnovana na </a:t>
-            </a:r>
-            <a:r>
-              <a:rPr lang="hr-HR" dirty="0" err="1"/>
-              <a:t>matplotlibu</a:t>
-            </a:r>
-            <a:r>
-              <a:rPr lang="hr-HR" dirty="0"/>
-              <a:t> i </a:t>
-            </a:r>
-            <a:r>
-              <a:rPr lang="hr-HR" dirty="0" err="1"/>
-              <a:t>numpy</a:t>
-            </a:r>
-            <a:endParaRPr lang="hr-HR" dirty="0"/>
-          </a:p>
-          <a:p>
-            <a:pPr lvl="1"/>
-            <a:r>
-              <a:rPr lang="hr-HR" dirty="0" err="1">
-                <a:hlinkClick r:id="rId2"/>
-              </a:rPr>
-              <a:t>pandas</a:t>
-            </a:r>
-            <a:r>
-              <a:rPr lang="hr-HR" dirty="0">
-                <a:hlinkClick r:id="rId2"/>
-              </a:rPr>
-              <a:t> - Python Data </a:t>
-            </a:r>
-            <a:r>
-              <a:rPr lang="hr-HR" dirty="0" err="1">
-                <a:hlinkClick r:id="rId2"/>
-              </a:rPr>
-              <a:t>Analysis</a:t>
-            </a:r>
-            <a:r>
-              <a:rPr lang="hr-HR" dirty="0">
-                <a:hlinkClick r:id="rId2"/>
-              </a:rPr>
-              <a:t> </a:t>
-            </a:r>
-            <a:r>
-              <a:rPr lang="hr-HR" dirty="0" err="1">
-                <a:hlinkClick r:id="rId2"/>
-              </a:rPr>
-              <a:t>Library</a:t>
-            </a:r>
-            <a:r>
-              <a:rPr lang="hr-HR" dirty="0">
-                <a:hlinkClick r:id="rId2"/>
-              </a:rPr>
-              <a:t> (pydata.org)</a:t>
-            </a:r>
-            <a:endParaRPr lang="hr-HR" dirty="0"/>
-          </a:p>
-          <a:p>
-            <a:pPr lvl="1"/>
-            <a:r>
-              <a:rPr lang="hr-HR" b="0" i="0" dirty="0" err="1">
-                <a:effectLst/>
-                <a:latin typeface="Source Code Pro"/>
-              </a:rPr>
-              <a:t>pip</a:t>
-            </a:r>
-            <a:r>
-              <a:rPr lang="hr-HR" b="0" i="0" dirty="0">
-                <a:effectLst/>
-                <a:latin typeface="Source Code Pro"/>
-              </a:rPr>
-              <a:t> </a:t>
-            </a:r>
-            <a:r>
-              <a:rPr lang="hr-HR" b="0" i="0" dirty="0" err="1">
-                <a:effectLst/>
-                <a:latin typeface="Source Code Pro"/>
-              </a:rPr>
-              <a:t>install</a:t>
-            </a:r>
-            <a:r>
-              <a:rPr lang="hr-HR" b="0" i="0" dirty="0">
-                <a:effectLst/>
-                <a:latin typeface="Source Code Pro"/>
-              </a:rPr>
-              <a:t> </a:t>
-            </a:r>
-            <a:r>
-              <a:rPr lang="hr-HR" b="0" i="0" dirty="0" err="1">
-                <a:effectLst/>
-                <a:latin typeface="Source Code Pro"/>
-              </a:rPr>
-              <a:t>pandas</a:t>
-            </a:r>
-            <a:endParaRPr lang="hr-HR" b="0" i="0" dirty="0">
-              <a:effectLst/>
-              <a:latin typeface="Source Code Pro"/>
-            </a:endParaRPr>
-          </a:p>
-          <a:p>
-            <a:pPr lvl="1"/>
-            <a:endParaRPr lang="hr-HR" dirty="0">
-              <a:latin typeface="Source Code Pro"/>
-            </a:endParaRPr>
-          </a:p>
-        </p:txBody>
-      </p:sp>
-    </p:spTree>
-    <p:extLst>
-      <p:ext uri="{BB962C8B-B14F-4D97-AF65-F5344CB8AC3E}">
-        <p14:creationId xmlns:p14="http://schemas.microsoft.com/office/powerpoint/2010/main" val="787790259"/>
       </p:ext>
     </p:extLst>
   </p:cSld>
@@ -5162,7 +5327,7 @@
           <p:cNvPr id="2" name="Naslov 1">
             <a:extLst>
               <a:ext uri="{FF2B5EF4-FFF2-40B4-BE49-F238E27FC236}">
-                <a16:creationId xmlns:a16="http://schemas.microsoft.com/office/drawing/2014/main" id="{F274DF99-D880-4888-A255-336BE73F61C9}"/>
+                <a16:creationId xmlns:a16="http://schemas.microsoft.com/office/drawing/2014/main" id="{819201F4-8F65-4C36-B58D-590F659D06FC}"/>
               </a:ext>
             </a:extLst>
           </p:cNvPr>
@@ -5180,7 +5345,7 @@
           <a:p>
             <a:r>
               <a:rPr lang="hr-HR" dirty="0"/>
-              <a:t>Zadatak 1</a:t>
+              <a:t>Tablični prikaz podataka</a:t>
             </a:r>
           </a:p>
         </p:txBody>
@@ -5190,7 +5355,7 @@
           <p:cNvPr id="3" name="Rezervirano mjesto sadržaja 2">
             <a:extLst>
               <a:ext uri="{FF2B5EF4-FFF2-40B4-BE49-F238E27FC236}">
-                <a16:creationId xmlns:a16="http://schemas.microsoft.com/office/drawing/2014/main" id="{0FFB80B3-C3EC-421D-B938-DF7E7CF74763}"/>
+                <a16:creationId xmlns:a16="http://schemas.microsoft.com/office/drawing/2014/main" id="{DE4CD3C5-75AA-4108-B222-8DDA53D0B53C}"/>
               </a:ext>
             </a:extLst>
           </p:cNvPr>
@@ -5201,36 +5366,175 @@
             <p:ph idx="1"/>
           </p:nvPr>
         </p:nvSpPr>
-        <p:spPr/>
+        <p:spPr>
+          <a:xfrm>
+            <a:off x="838200" y="1501775"/>
+            <a:ext cx="10515600" cy="4351338"/>
+          </a:xfrm>
+        </p:spPr>
         <p:txBody>
           <a:bodyPr/>
           <a:lstStyle/>
           <a:p>
             <a:r>
+              <a:rPr lang="hr-HR" dirty="0" err="1"/>
+              <a:t>Pandas</a:t>
+            </a:r>
+            <a:endParaRPr lang="hr-HR" dirty="0"/>
+          </a:p>
+          <a:p>
+            <a:pPr lvl="1"/>
+            <a:r>
               <a:rPr lang="hr-HR" dirty="0"/>
-              <a:t>Učitati skup podataka i otkriti sljedeće informacije</a:t>
-            </a:r>
+              <a:t>Popularna biblioteka zasnovana na </a:t>
+            </a:r>
+            <a:r>
+              <a:rPr lang="hr-HR" dirty="0" err="1"/>
+              <a:t>matplotlibu</a:t>
+            </a:r>
+            <a:r>
+              <a:rPr lang="hr-HR" dirty="0"/>
+              <a:t> i </a:t>
+            </a:r>
+            <a:r>
+              <a:rPr lang="hr-HR" dirty="0" err="1"/>
+              <a:t>numpy</a:t>
+            </a:r>
+            <a:endParaRPr lang="hr-HR" dirty="0"/>
           </a:p>
           <a:p>
             <a:pPr lvl="1"/>
             <a:r>
-              <a:rPr lang="hr-HR" dirty="0"/>
-              <a:t>Koliko ima redova i stupaca</a:t>
-            </a:r>
+              <a:rPr lang="hr-HR" dirty="0" err="1">
+                <a:hlinkClick r:id="rId2"/>
+              </a:rPr>
+              <a:t>pandas</a:t>
+            </a:r>
+            <a:r>
+              <a:rPr lang="hr-HR" dirty="0">
+                <a:hlinkClick r:id="rId2"/>
+              </a:rPr>
+              <a:t> - Python Data </a:t>
+            </a:r>
+            <a:r>
+              <a:rPr lang="hr-HR" dirty="0" err="1">
+                <a:hlinkClick r:id="rId2"/>
+              </a:rPr>
+              <a:t>Analysis</a:t>
+            </a:r>
+            <a:r>
+              <a:rPr lang="hr-HR" dirty="0">
+                <a:hlinkClick r:id="rId2"/>
+              </a:rPr>
+              <a:t> </a:t>
+            </a:r>
+            <a:r>
+              <a:rPr lang="hr-HR" dirty="0" err="1">
+                <a:hlinkClick r:id="rId2"/>
+              </a:rPr>
+              <a:t>Library</a:t>
+            </a:r>
+            <a:r>
+              <a:rPr lang="hr-HR" dirty="0">
+                <a:hlinkClick r:id="rId2"/>
+              </a:rPr>
+              <a:t> (pydata.org)</a:t>
+            </a:r>
+            <a:endParaRPr lang="hr-HR" dirty="0"/>
           </a:p>
           <a:p>
             <a:pPr lvl="1"/>
             <a:r>
-              <a:rPr lang="hr-HR" dirty="0"/>
-              <a:t>Koliko ima stupaca s brojčanim vrijednostima</a:t>
-            </a:r>
-          </a:p>
-        </p:txBody>
-      </p:sp>
+              <a:rPr lang="hr-HR" b="0" i="0" dirty="0" err="1">
+                <a:effectLst/>
+                <a:latin typeface="Source Code Pro"/>
+              </a:rPr>
+              <a:t>pip</a:t>
+            </a:r>
+            <a:r>
+              <a:rPr lang="hr-HR" b="0" i="0" dirty="0">
+                <a:effectLst/>
+                <a:latin typeface="Source Code Pro"/>
+              </a:rPr>
+              <a:t> </a:t>
+            </a:r>
+            <a:r>
+              <a:rPr lang="hr-HR" b="0" i="0" dirty="0" err="1">
+                <a:effectLst/>
+                <a:latin typeface="Source Code Pro"/>
+              </a:rPr>
+              <a:t>install</a:t>
+            </a:r>
+            <a:r>
+              <a:rPr lang="hr-HR" b="0" i="0" dirty="0">
+                <a:effectLst/>
+                <a:latin typeface="Source Code Pro"/>
+              </a:rPr>
+              <a:t> </a:t>
+            </a:r>
+            <a:r>
+              <a:rPr lang="hr-HR" b="0" i="0" dirty="0" err="1">
+                <a:effectLst/>
+                <a:latin typeface="Source Code Pro"/>
+              </a:rPr>
+              <a:t>pandas</a:t>
+            </a:r>
+            <a:endParaRPr lang="hr-HR" b="0" i="0" dirty="0">
+              <a:effectLst/>
+              <a:latin typeface="Source Code Pro"/>
+            </a:endParaRPr>
+          </a:p>
+          <a:p>
+            <a:pPr lvl="1"/>
+            <a:endParaRPr lang="hr-HR" dirty="0">
+              <a:latin typeface="Source Code Pro"/>
+            </a:endParaRPr>
+          </a:p>
+        </p:txBody>
+      </p:sp>
+      <p:pic>
+        <p:nvPicPr>
+          <p:cNvPr id="4" name="Grafika 3" descr="Zupčanici">
+            <a:extLst>
+              <a:ext uri="{FF2B5EF4-FFF2-40B4-BE49-F238E27FC236}">
+                <a16:creationId xmlns:a16="http://schemas.microsoft.com/office/drawing/2014/main" id="{B06399BB-31BE-B436-9B32-D7217ED3868F}"/>
+              </a:ext>
+            </a:extLst>
+          </p:cNvPr>
+          <p:cNvPicPr>
+            <a:picLocks noChangeAspect="1"/>
+          </p:cNvPicPr>
+          <p:nvPr/>
+        </p:nvPicPr>
+        <p:blipFill>
+          <a:blip r:embed="rId3">
+            <a:extLst>
+              <a:ext uri="{28A0092B-C50C-407E-A947-70E740481C1C}">
+                <a14:useLocalDpi xmlns:a14="http://schemas.microsoft.com/office/drawing/2010/main" val="0"/>
+              </a:ext>
+              <a:ext uri="{96DAC541-7B7A-43D3-8B79-37D633B846F1}">
+                <asvg:svgBlip xmlns:asvg="http://schemas.microsoft.com/office/drawing/2016/SVG/main" r:embed="rId4"/>
+              </a:ext>
+            </a:extLst>
+          </a:blip>
+          <a:stretch>
+            <a:fillRect/>
+          </a:stretch>
+        </p:blipFill>
+        <p:spPr>
+          <a:xfrm>
+            <a:off x="77730" y="113506"/>
+            <a:ext cx="914400" cy="914400"/>
+          </a:xfrm>
+          <a:prstGeom prst="rect">
+            <a:avLst/>
+          </a:prstGeom>
+        </p:spPr>
+      </p:pic>
     </p:spTree>
     <p:extLst>
       <p:ext uri="{BB962C8B-B14F-4D97-AF65-F5344CB8AC3E}">
-        <p14:creationId xmlns:p14="http://schemas.microsoft.com/office/powerpoint/2010/main" val="1731155030"/>
+        <p14:creationId xmlns:p14="http://schemas.microsoft.com/office/powerpoint/2010/main" val="787790259"/>
       </p:ext>
     </p:extLst>
   </p:cSld>
@@ -5259,19 +5563,17 @@
       </p:grpSpPr>
       <p:pic>
         <p:nvPicPr>
-          <p:cNvPr id="5" name="Rezervirano mjesto sadržaja 4">
-            <a:extLst>
-              <a:ext uri="{FF2B5EF4-FFF2-40B4-BE49-F238E27FC236}">
-                <a16:creationId xmlns:a16="http://schemas.microsoft.com/office/drawing/2014/main" id="{78C23F06-A6FC-497C-A748-408E27E3B633}"/>
+          <p:cNvPr id="5" name="Slika 4">
+            <a:extLst>
+              <a:ext uri="{FF2B5EF4-FFF2-40B4-BE49-F238E27FC236}">
+                <a16:creationId xmlns:a16="http://schemas.microsoft.com/office/drawing/2014/main" id="{00BDA6E7-412B-D84E-7036-F1360DEE0D09}"/>
               </a:ext>
             </a:extLst>
           </p:cNvPr>
           <p:cNvPicPr>
-            <a:picLocks noGrp="1" noChangeAspect="1"/>
+            <a:picLocks noChangeAspect="1"/>
           </p:cNvPicPr>
-          <p:nvPr>
-            <p:ph idx="1"/>
-          </p:nvPr>
+          <p:nvPr/>
         </p:nvPicPr>
         <p:blipFill>
           <a:blip r:embed="rId2"/>
@@ -5281,15 +5583,88 @@
         </p:blipFill>
         <p:spPr>
           <a:xfrm>
-            <a:off x="1421991" y="1530350"/>
-            <a:ext cx="6071418" cy="4351338"/>
+            <a:off x="146243" y="157440"/>
+            <a:ext cx="1117006" cy="1047193"/>
           </a:xfrm>
+          <a:prstGeom prst="rect">
+            <a:avLst/>
+          </a:prstGeom>
         </p:spPr>
       </p:pic>
+      <p:sp>
+        <p:nvSpPr>
+          <p:cNvPr id="2" name="Naslov 1">
+            <a:extLst>
+              <a:ext uri="{FF2B5EF4-FFF2-40B4-BE49-F238E27FC236}">
+                <a16:creationId xmlns:a16="http://schemas.microsoft.com/office/drawing/2014/main" id="{F274DF99-D880-4888-A255-336BE73F61C9}"/>
+              </a:ext>
+            </a:extLst>
+          </p:cNvPr>
+          <p:cNvSpPr>
+            <a:spLocks noGrp="1"/>
+          </p:cNvSpPr>
+          <p:nvPr>
+            <p:ph type="title"/>
+          </p:nvPr>
+        </p:nvSpPr>
+        <p:spPr/>
+        <p:txBody>
+          <a:bodyPr/>
+          <a:lstStyle/>
+          <a:p>
+            <a:r>
+              <a:rPr lang="hr-HR" dirty="0"/>
+              <a:t>Zadatak 1</a:t>
+            </a:r>
+          </a:p>
+        </p:txBody>
+      </p:sp>
+      <p:sp>
+        <p:nvSpPr>
+          <p:cNvPr id="3" name="Rezervirano mjesto sadržaja 2">
+            <a:extLst>
+              <a:ext uri="{FF2B5EF4-FFF2-40B4-BE49-F238E27FC236}">
+                <a16:creationId xmlns:a16="http://schemas.microsoft.com/office/drawing/2014/main" id="{0FFB80B3-C3EC-421D-B938-DF7E7CF74763}"/>
+              </a:ext>
+            </a:extLst>
+          </p:cNvPr>
+          <p:cNvSpPr>
+            <a:spLocks noGrp="1"/>
+          </p:cNvSpPr>
+          <p:nvPr>
+            <p:ph idx="1"/>
+          </p:nvPr>
+        </p:nvSpPr>
+        <p:spPr/>
+        <p:txBody>
+          <a:bodyPr/>
+          <a:lstStyle/>
+          <a:p>
+            <a:r>
+              <a:rPr lang="hr-HR" dirty="0"/>
+              <a:t>Učitati skup podataka i otkriti sljedeće informacije</a:t>
+            </a:r>
+          </a:p>
+          <a:p>
+            <a:pPr lvl="1"/>
+            <a:r>
+              <a:rPr lang="hr-HR" dirty="0"/>
+              <a:t>Koliko ima redova i stupaca</a:t>
+            </a:r>
+          </a:p>
+          <a:p>
+            <a:pPr lvl="1"/>
+            <a:r>
+              <a:rPr lang="hr-HR" dirty="0"/>
+              <a:t>Koliko ima stupaca s brojčanim vrijednostima</a:t>
+            </a:r>
+          </a:p>
+        </p:txBody>
+      </p:sp>
     </p:spTree>
     <p:extLst>
       <p:ext uri="{BB962C8B-B14F-4D97-AF65-F5344CB8AC3E}">
-        <p14:creationId xmlns:p14="http://schemas.microsoft.com/office/powerpoint/2010/main" val="3188769308"/>
+        <p14:creationId xmlns:p14="http://schemas.microsoft.com/office/powerpoint/2010/main" val="1731155030"/>
       </p:ext>
     </p:extLst>
   </p:cSld>
@@ -5413,6 +5788,45 @@
           </a:p>
         </p:txBody>
       </p:sp>
+      <p:pic>
+        <p:nvPicPr>
+          <p:cNvPr id="4" name="Grafika 3" descr="Zupčanici">
+            <a:extLst>
+              <a:ext uri="{FF2B5EF4-FFF2-40B4-BE49-F238E27FC236}">
+                <a16:creationId xmlns:a16="http://schemas.microsoft.com/office/drawing/2014/main" id="{80F4F365-DBA9-A416-1F10-8E013CEE545F}"/>
+              </a:ext>
+            </a:extLst>
+          </p:cNvPr>
+          <p:cNvPicPr>
+            <a:picLocks noChangeAspect="1"/>
+          </p:cNvPicPr>
+          <p:nvPr/>
+        </p:nvPicPr>
+        <p:blipFill>
+          <a:blip r:embed="rId2">
+            <a:extLst>
+              <a:ext uri="{28A0092B-C50C-407E-A947-70E740481C1C}">
+                <a14:useLocalDpi xmlns:a14="http://schemas.microsoft.com/office/drawing/2010/main" val="0"/>
+              </a:ext>
+              <a:ext uri="{96DAC541-7B7A-43D3-8B79-37D633B846F1}">
+                <asvg:svgBlip xmlns:asvg="http://schemas.microsoft.com/office/drawing/2016/SVG/main" r:embed="rId3"/>
+              </a:ext>
+            </a:extLst>
+          </a:blip>
+          <a:stretch>
+            <a:fillRect/>
+          </a:stretch>
+        </p:blipFill>
+        <p:spPr>
+          <a:xfrm>
+            <a:off x="77730" y="113506"/>
+            <a:ext cx="914400" cy="914400"/>
+          </a:xfrm>
+          <a:prstGeom prst="rect">
+            <a:avLst/>
+          </a:prstGeom>
+        </p:spPr>
+      </p:pic>
     </p:spTree>
     <p:extLst>
       <p:ext uri="{BB962C8B-B14F-4D97-AF65-F5344CB8AC3E}">
@@ -5443,131 +5857,78 @@
           <a:chExt cx="0" cy="0"/>
         </a:xfrm>
       </p:grpSpPr>
-      <p:sp>
-        <p:nvSpPr>
-          <p:cNvPr id="2" name="Naslov 1">
-            <a:extLst>
-              <a:ext uri="{FF2B5EF4-FFF2-40B4-BE49-F238E27FC236}">
-                <a16:creationId xmlns:a16="http://schemas.microsoft.com/office/drawing/2014/main" id="{0967526A-18C6-4C40-B9D2-6FC7A1CEEFC8}"/>
-              </a:ext>
-            </a:extLst>
-          </p:cNvPr>
-          <p:cNvSpPr>
-            <a:spLocks noGrp="1"/>
-          </p:cNvSpPr>
-          <p:nvPr>
-            <p:ph type="title"/>
-          </p:nvPr>
-        </p:nvSpPr>
-        <p:spPr/>
-        <p:txBody>
-          <a:bodyPr/>
-          <a:lstStyle/>
-          <a:p>
-            <a:r>
-              <a:rPr lang="hr-HR" dirty="0"/>
-              <a:t>Zadatak 2</a:t>
-            </a:r>
-          </a:p>
-        </p:txBody>
-      </p:sp>
-      <p:sp>
-        <p:nvSpPr>
-          <p:cNvPr id="3" name="Rezervirano mjesto sadržaja 2">
-            <a:extLst>
-              <a:ext uri="{FF2B5EF4-FFF2-40B4-BE49-F238E27FC236}">
-                <a16:creationId xmlns:a16="http://schemas.microsoft.com/office/drawing/2014/main" id="{6B3C2B69-8C34-472B-BDEF-061FABBFA078}"/>
-              </a:ext>
-            </a:extLst>
-          </p:cNvPr>
-          <p:cNvSpPr>
-            <a:spLocks noGrp="1"/>
-          </p:cNvSpPr>
+      <p:pic>
+        <p:nvPicPr>
+          <p:cNvPr id="5" name="Rezervirano mjesto sadržaja 4">
+            <a:extLst>
+              <a:ext uri="{FF2B5EF4-FFF2-40B4-BE49-F238E27FC236}">
+                <a16:creationId xmlns:a16="http://schemas.microsoft.com/office/drawing/2014/main" id="{78C23F06-A6FC-497C-A748-408E27E3B633}"/>
+              </a:ext>
+            </a:extLst>
+          </p:cNvPr>
+          <p:cNvPicPr>
+            <a:picLocks noGrp="1" noChangeAspect="1"/>
+          </p:cNvPicPr>
           <p:nvPr>
             <p:ph idx="1"/>
           </p:nvPr>
-        </p:nvSpPr>
-        <p:spPr/>
-        <p:txBody>
-          <a:bodyPr/>
-          <a:lstStyle/>
-          <a:p>
-            <a:r>
-              <a:rPr lang="hr-HR" dirty="0"/>
-              <a:t>Odrediti ukupnu populaciju</a:t>
-            </a:r>
-          </a:p>
-          <a:p>
-            <a:r>
-              <a:rPr lang="hr-HR" dirty="0"/>
-              <a:t>Odrediti ukupnu površinu</a:t>
-            </a:r>
-          </a:p>
-          <a:p>
-            <a:r>
-              <a:rPr lang="hr-HR" dirty="0"/>
-              <a:t>Odrediti prosječni BDP (GDP)</a:t>
-            </a:r>
-          </a:p>
-        </p:txBody>
-      </p:sp>
-      <p:sp>
-        <p:nvSpPr>
-          <p:cNvPr id="5" name="TekstniOkvir 4">
-            <a:extLst>
-              <a:ext uri="{FF2B5EF4-FFF2-40B4-BE49-F238E27FC236}">
-                <a16:creationId xmlns:a16="http://schemas.microsoft.com/office/drawing/2014/main" id="{6EC2311A-CDDA-476E-A021-9B31AD8609A8}"/>
-              </a:ext>
-            </a:extLst>
-          </p:cNvPr>
-          <p:cNvSpPr txBox="1"/>
-          <p:nvPr/>
-        </p:nvSpPr>
+        </p:nvPicPr>
+        <p:blipFill>
+          <a:blip r:embed="rId2"/>
+          <a:stretch>
+            <a:fillRect/>
+          </a:stretch>
+        </p:blipFill>
         <p:spPr>
           <a:xfrm>
-            <a:off x="5934075" y="3990975"/>
-            <a:ext cx="5581650" cy="923330"/>
+            <a:off x="1421991" y="1530350"/>
+            <a:ext cx="6071418" cy="4351338"/>
+          </a:xfrm>
+        </p:spPr>
+      </p:pic>
+      <p:pic>
+        <p:nvPicPr>
+          <p:cNvPr id="2" name="Grafika 1" descr="Zupčanici">
+            <a:extLst>
+              <a:ext uri="{FF2B5EF4-FFF2-40B4-BE49-F238E27FC236}">
+                <a16:creationId xmlns:a16="http://schemas.microsoft.com/office/drawing/2014/main" id="{9DAD2FF9-039E-225D-D9E7-9CEA93B0EDC5}"/>
+              </a:ext>
+            </a:extLst>
+          </p:cNvPr>
+          <p:cNvPicPr>
+            <a:picLocks noChangeAspect="1"/>
+          </p:cNvPicPr>
+          <p:nvPr/>
+        </p:nvPicPr>
+        <p:blipFill>
+          <a:blip r:embed="rId3">
+            <a:extLst>
+              <a:ext uri="{28A0092B-C50C-407E-A947-70E740481C1C}">
+                <a14:useLocalDpi xmlns:a14="http://schemas.microsoft.com/office/drawing/2010/main" val="0"/>
+              </a:ext>
+              <a:ext uri="{96DAC541-7B7A-43D3-8B79-37D633B846F1}">
+                <asvg:svgBlip xmlns:asvg="http://schemas.microsoft.com/office/drawing/2016/SVG/main" r:embed="rId4"/>
+              </a:ext>
+            </a:extLst>
+          </a:blip>
+          <a:stretch>
+            <a:fillRect/>
+          </a:stretch>
+        </p:blipFill>
+        <p:spPr>
+          <a:xfrm>
+            <a:off x="77730" y="113506"/>
+            <a:ext cx="914400" cy="914400"/>
           </a:xfrm>
           <a:prstGeom prst="rect">
             <a:avLst/>
           </a:prstGeom>
-          <a:noFill/>
         </p:spPr>
-        <p:txBody>
-          <a:bodyPr wrap="square" rtlCol="0">
-            <a:spAutoFit/>
-          </a:bodyPr>
-          <a:lstStyle/>
-          <a:p>
-            <a:r>
-              <a:rPr lang="hr-HR" dirty="0"/>
-              <a:t>Metode:</a:t>
-            </a:r>
-          </a:p>
-          <a:p>
-            <a:r>
-              <a:rPr lang="hr-HR" dirty="0" err="1">
-                <a:hlinkClick r:id="rId2"/>
-              </a:rPr>
-              <a:t>Sum</a:t>
-            </a:r>
-            <a:endParaRPr lang="hr-HR" dirty="0"/>
-          </a:p>
-          <a:p>
-            <a:r>
-              <a:rPr lang="hr-HR" dirty="0" err="1">
-                <a:hlinkClick r:id="rId3"/>
-              </a:rPr>
-              <a:t>Mean</a:t>
-            </a:r>
-            <a:endParaRPr lang="hr-HR" dirty="0"/>
-          </a:p>
-        </p:txBody>
-      </p:sp>
+      </p:pic>
     </p:spTree>
     <p:extLst>
       <p:ext uri="{BB962C8B-B14F-4D97-AF65-F5344CB8AC3E}">
-        <p14:creationId xmlns:p14="http://schemas.microsoft.com/office/powerpoint/2010/main" val="2193288081"/>
+        <p14:creationId xmlns:p14="http://schemas.microsoft.com/office/powerpoint/2010/main" val="3188769308"/>
       </p:ext>
     </p:extLst>
   </p:cSld>
@@ -5594,12 +5955,42 @@
           <a:chExt cx="0" cy="0"/>
         </a:xfrm>
       </p:grpSpPr>
+      <p:pic>
+        <p:nvPicPr>
+          <p:cNvPr id="7" name="Slika 6">
+            <a:extLst>
+              <a:ext uri="{FF2B5EF4-FFF2-40B4-BE49-F238E27FC236}">
+                <a16:creationId xmlns:a16="http://schemas.microsoft.com/office/drawing/2014/main" id="{54606EA9-6D3C-8B19-3070-B5BA64D31544}"/>
+              </a:ext>
+            </a:extLst>
+          </p:cNvPr>
+          <p:cNvPicPr>
+            <a:picLocks noChangeAspect="1"/>
+          </p:cNvPicPr>
+          <p:nvPr/>
+        </p:nvPicPr>
+        <p:blipFill>
+          <a:blip r:embed="rId2"/>
+          <a:stretch>
+            <a:fillRect/>
+          </a:stretch>
+        </p:blipFill>
+        <p:spPr>
+          <a:xfrm>
+            <a:off x="146243" y="157440"/>
+            <a:ext cx="1117006" cy="1047193"/>
+          </a:xfrm>
+          <a:prstGeom prst="rect">
+            <a:avLst/>
+          </a:prstGeom>
+        </p:spPr>
+      </p:pic>
       <p:sp>
         <p:nvSpPr>
           <p:cNvPr id="2" name="Naslov 1">
             <a:extLst>
               <a:ext uri="{FF2B5EF4-FFF2-40B4-BE49-F238E27FC236}">
-                <a16:creationId xmlns:a16="http://schemas.microsoft.com/office/drawing/2014/main" id="{8B9AB9BA-0478-41AA-A02E-D9EA7058A8B3}"/>
+                <a16:creationId xmlns:a16="http://schemas.microsoft.com/office/drawing/2014/main" id="{0967526A-18C6-4C40-B9D2-6FC7A1CEEFC8}"/>
               </a:ext>
             </a:extLst>
           </p:cNvPr>
@@ -5617,7 +6008,7 @@
           <a:p>
             <a:r>
               <a:rPr lang="hr-HR" dirty="0"/>
-              <a:t>Zadatak 3</a:t>
+              <a:t>Zadatak 2</a:t>
             </a:r>
           </a:p>
         </p:txBody>
@@ -5627,7 +6018,7 @@
           <p:cNvPr id="3" name="Rezervirano mjesto sadržaja 2">
             <a:extLst>
               <a:ext uri="{FF2B5EF4-FFF2-40B4-BE49-F238E27FC236}">
-                <a16:creationId xmlns:a16="http://schemas.microsoft.com/office/drawing/2014/main" id="{B598A8E3-2305-410C-8F62-620244528940}"/>
+                <a16:creationId xmlns:a16="http://schemas.microsoft.com/office/drawing/2014/main" id="{6B3C2B69-8C34-472B-BDEF-061FABBFA078}"/>
               </a:ext>
             </a:extLst>
           </p:cNvPr>
@@ -5645,23 +6036,29 @@
           <a:p>
             <a:r>
               <a:rPr lang="hr-HR" dirty="0"/>
-              <a:t>Sortirati podatke po populaciji i ispisati ime i populaciju prvih 5 država (sortirati tako da prva država ima najveći broj stanovnika)</a:t>
+              <a:t>Odrediti ukupnu populaciju</a:t>
             </a:r>
           </a:p>
           <a:p>
             <a:r>
               <a:rPr lang="hr-HR" dirty="0"/>
-              <a:t>Sortirati podatke po pismenosti i broju mobitela na 1000 stanovnika te ispisati prve dvije države</a:t>
-            </a:r>
-          </a:p>
-        </p:txBody>
-      </p:sp>
-      <p:sp>
-        <p:nvSpPr>
-          <p:cNvPr id="4" name="TekstniOkvir 3">
-            <a:extLst>
-              <a:ext uri="{FF2B5EF4-FFF2-40B4-BE49-F238E27FC236}">
-                <a16:creationId xmlns:a16="http://schemas.microsoft.com/office/drawing/2014/main" id="{FB3D8DF9-7C88-49A3-A277-7B21B1607B15}"/>
+              <a:t>Odrediti ukupnu površinu</a:t>
+            </a:r>
+          </a:p>
+          <a:p>
+            <a:r>
+              <a:rPr lang="hr-HR" dirty="0"/>
+              <a:t>Odrediti prosječni BDP (GDP)</a:t>
+            </a:r>
+          </a:p>
+        </p:txBody>
+      </p:sp>
+      <p:sp>
+        <p:nvSpPr>
+          <p:cNvPr id="5" name="TekstniOkvir 4">
+            <a:extLst>
+              <a:ext uri="{FF2B5EF4-FFF2-40B4-BE49-F238E27FC236}">
+                <a16:creationId xmlns:a16="http://schemas.microsoft.com/office/drawing/2014/main" id="{6EC2311A-CDDA-476E-A021-9B31AD8609A8}"/>
               </a:ext>
             </a:extLst>
           </p:cNvPr>
@@ -5691,43 +6088,19 @@
           </a:p>
           <a:p>
             <a:r>
-              <a:rPr lang="en-US" dirty="0" err="1">
-                <a:hlinkClick r:id="rId2"/>
-              </a:rPr>
-              <a:t>sort_values</a:t>
-            </a:r>
-            <a:r>
-              <a:rPr lang="en-US" dirty="0">
-                <a:hlinkClick r:id="rId2"/>
-              </a:rPr>
-              <a:t>(by, ascending=True, </a:t>
-            </a:r>
-            <a:r>
-              <a:rPr lang="en-US" dirty="0" err="1">
-                <a:hlinkClick r:id="rId2"/>
-              </a:rPr>
-              <a:t>inplace</a:t>
-            </a:r>
-            <a:r>
-              <a:rPr lang="en-US" dirty="0">
-                <a:hlinkClick r:id="rId2"/>
-              </a:rPr>
-              <a:t>=False)</a:t>
-            </a:r>
-            <a:endParaRPr lang="hr-HR" dirty="0"/>
-          </a:p>
-          <a:p>
-            <a:r>
               <a:rPr lang="hr-HR" dirty="0" err="1">
                 <a:hlinkClick r:id="rId3"/>
               </a:rPr>
-              <a:t>head</a:t>
-            </a:r>
-            <a:r>
-              <a:rPr lang="hr-HR" dirty="0">
-                <a:hlinkClick r:id="rId3"/>
+              <a:t>Sum</a:t>
+            </a:r>
+            <a:endParaRPr lang="hr-HR" dirty="0"/>
+          </a:p>
+          <a:p>
+            <a:r>
+              <a:rPr lang="hr-HR" dirty="0" err="1">
+                <a:hlinkClick r:id="rId4"/>
               </a:rPr>
-              <a:t>(n)</a:t>
+              <a:t>Mean</a:t>
             </a:r>
             <a:endParaRPr lang="hr-HR" dirty="0"/>
           </a:p>
@@ -5736,7 +6109,7 @@
     </p:spTree>
     <p:extLst>
       <p:ext uri="{BB962C8B-B14F-4D97-AF65-F5344CB8AC3E}">
-        <p14:creationId xmlns:p14="http://schemas.microsoft.com/office/powerpoint/2010/main" val="3584246429"/>
+        <p14:creationId xmlns:p14="http://schemas.microsoft.com/office/powerpoint/2010/main" val="2193288081"/>
       </p:ext>
     </p:extLst>
   </p:cSld>
@@ -5763,12 +6136,42 @@
           <a:chExt cx="0" cy="0"/>
         </a:xfrm>
       </p:grpSpPr>
+      <p:pic>
+        <p:nvPicPr>
+          <p:cNvPr id="7" name="Slika 6">
+            <a:extLst>
+              <a:ext uri="{FF2B5EF4-FFF2-40B4-BE49-F238E27FC236}">
+                <a16:creationId xmlns:a16="http://schemas.microsoft.com/office/drawing/2014/main" id="{05047A81-8234-EE29-84B9-53ABCD6A29BD}"/>
+              </a:ext>
+            </a:extLst>
+          </p:cNvPr>
+          <p:cNvPicPr>
+            <a:picLocks noChangeAspect="1"/>
+          </p:cNvPicPr>
+          <p:nvPr/>
+        </p:nvPicPr>
+        <p:blipFill>
+          <a:blip r:embed="rId2"/>
+          <a:stretch>
+            <a:fillRect/>
+          </a:stretch>
+        </p:blipFill>
+        <p:spPr>
+          <a:xfrm>
+            <a:off x="146243" y="157440"/>
+            <a:ext cx="1117006" cy="1047193"/>
+          </a:xfrm>
+          <a:prstGeom prst="rect">
+            <a:avLst/>
+          </a:prstGeom>
+        </p:spPr>
+      </p:pic>
       <p:sp>
         <p:nvSpPr>
           <p:cNvPr id="2" name="Naslov 1">
             <a:extLst>
               <a:ext uri="{FF2B5EF4-FFF2-40B4-BE49-F238E27FC236}">
-                <a16:creationId xmlns:a16="http://schemas.microsoft.com/office/drawing/2014/main" id="{648DD21C-3903-4512-90DE-F2CBAE96C50C}"/>
+                <a16:creationId xmlns:a16="http://schemas.microsoft.com/office/drawing/2014/main" id="{8B9AB9BA-0478-41AA-A02E-D9EA7058A8B3}"/>
               </a:ext>
             </a:extLst>
           </p:cNvPr>
@@ -5786,7 +6189,7 @@
           <a:p>
             <a:r>
               <a:rPr lang="hr-HR" dirty="0"/>
-              <a:t>Zadatak 4</a:t>
+              <a:t>Zadatak 3</a:t>
             </a:r>
           </a:p>
         </p:txBody>
@@ -5796,7 +6199,7 @@
           <p:cNvPr id="3" name="Rezervirano mjesto sadržaja 2">
             <a:extLst>
               <a:ext uri="{FF2B5EF4-FFF2-40B4-BE49-F238E27FC236}">
-                <a16:creationId xmlns:a16="http://schemas.microsoft.com/office/drawing/2014/main" id="{1C63C4F3-01DB-4DC9-ADD4-81F87FA548F6}"/>
+                <a16:creationId xmlns:a16="http://schemas.microsoft.com/office/drawing/2014/main" id="{B598A8E3-2305-410C-8F62-620244528940}"/>
               </a:ext>
             </a:extLst>
           </p:cNvPr>
@@ -5814,29 +6217,23 @@
           <a:p>
             <a:r>
               <a:rPr lang="hr-HR" dirty="0"/>
-              <a:t>Grupirati redove po regiji i ispisati ukupnu površinu</a:t>
+              <a:t>Sortirati podatke po populaciji i ispisati ime i populaciju prvih 5 država (sortirati tako da prva država ima najveći broj stanovnika)</a:t>
             </a:r>
           </a:p>
           <a:p>
             <a:r>
               <a:rPr lang="hr-HR" dirty="0"/>
-              <a:t>Nacrtati graf koji prikazuje ukupni broj stanovnika po regiji</a:t>
-            </a:r>
-          </a:p>
-          <a:p>
-            <a:pPr marL="0" indent="0">
-              <a:buNone/>
-            </a:pPr>
-            <a:endParaRPr lang="hr-HR" dirty="0"/>
-          </a:p>
-        </p:txBody>
-      </p:sp>
-      <p:sp>
-        <p:nvSpPr>
-          <p:cNvPr id="5" name="TekstniOkvir 4">
-            <a:extLst>
-              <a:ext uri="{FF2B5EF4-FFF2-40B4-BE49-F238E27FC236}">
-                <a16:creationId xmlns:a16="http://schemas.microsoft.com/office/drawing/2014/main" id="{BE4EC215-2AD8-4FA5-9D71-90E2EBA49087}"/>
+              <a:t>Sortirati podatke po pismenosti i broju mobitela na 1000 stanovnika te ispisati prve dvije države</a:t>
+            </a:r>
+          </a:p>
+        </p:txBody>
+      </p:sp>
+      <p:sp>
+        <p:nvSpPr>
+          <p:cNvPr id="4" name="TekstniOkvir 3">
+            <a:extLst>
+              <a:ext uri="{FF2B5EF4-FFF2-40B4-BE49-F238E27FC236}">
+                <a16:creationId xmlns:a16="http://schemas.microsoft.com/office/drawing/2014/main" id="{FB3D8DF9-7C88-49A3-A277-7B21B1607B15}"/>
               </a:ext>
             </a:extLst>
           </p:cNvPr>
@@ -5866,19 +6263,43 @@
           </a:p>
           <a:p>
             <a:r>
-              <a:rPr lang="hr-HR" dirty="0" err="1">
-                <a:hlinkClick r:id="rId2"/>
-              </a:rPr>
-              <a:t>Groupby</a:t>
-            </a:r>
-            <a:endParaRPr lang="hr-HR" dirty="0"/>
-          </a:p>
-          <a:p>
-            <a:r>
-              <a:rPr lang="hr-HR" dirty="0">
+              <a:rPr lang="en-US" dirty="0" err="1">
                 <a:hlinkClick r:id="rId3"/>
               </a:rPr>
-              <a:t>plot</a:t>
+              <a:t>sort_values</a:t>
+            </a:r>
+            <a:r>
+              <a:rPr lang="en-US" dirty="0">
+                <a:hlinkClick r:id="rId3"/>
+              </a:rPr>
+              <a:t>(by, ascending=True, </a:t>
+            </a:r>
+            <a:r>
+              <a:rPr lang="en-US" dirty="0" err="1">
+                <a:hlinkClick r:id="rId3"/>
+              </a:rPr>
+              <a:t>inplace</a:t>
+            </a:r>
+            <a:r>
+              <a:rPr lang="en-US" dirty="0">
+                <a:hlinkClick r:id="rId3"/>
+              </a:rPr>
+              <a:t>=False)</a:t>
+            </a:r>
+            <a:endParaRPr lang="hr-HR" dirty="0"/>
+          </a:p>
+          <a:p>
+            <a:r>
+              <a:rPr lang="hr-HR" dirty="0" err="1">
+                <a:hlinkClick r:id="rId4"/>
+              </a:rPr>
+              <a:t>head</a:t>
+            </a:r>
+            <a:r>
+              <a:rPr lang="hr-HR" dirty="0">
+                <a:hlinkClick r:id="rId4"/>
+              </a:rPr>
+              <a:t>(n)</a:t>
             </a:r>
             <a:endParaRPr lang="hr-HR" dirty="0"/>
           </a:p>
@@ -5887,7 +6308,7 @@
     </p:spTree>
     <p:extLst>
       <p:ext uri="{BB962C8B-B14F-4D97-AF65-F5344CB8AC3E}">
-        <p14:creationId xmlns:p14="http://schemas.microsoft.com/office/powerpoint/2010/main" val="1494899353"/>
+        <p14:creationId xmlns:p14="http://schemas.microsoft.com/office/powerpoint/2010/main" val="3584246429"/>
       </p:ext>
     </p:extLst>
   </p:cSld>
@@ -5914,12 +6335,42 @@
           <a:chExt cx="0" cy="0"/>
         </a:xfrm>
       </p:grpSpPr>
+      <p:pic>
+        <p:nvPicPr>
+          <p:cNvPr id="6" name="Slika 5">
+            <a:extLst>
+              <a:ext uri="{FF2B5EF4-FFF2-40B4-BE49-F238E27FC236}">
+                <a16:creationId xmlns:a16="http://schemas.microsoft.com/office/drawing/2014/main" id="{9938827C-7690-4039-F3A7-F5CCADC49714}"/>
+              </a:ext>
+            </a:extLst>
+          </p:cNvPr>
+          <p:cNvPicPr>
+            <a:picLocks noChangeAspect="1"/>
+          </p:cNvPicPr>
+          <p:nvPr/>
+        </p:nvPicPr>
+        <p:blipFill>
+          <a:blip r:embed="rId2"/>
+          <a:stretch>
+            <a:fillRect/>
+          </a:stretch>
+        </p:blipFill>
+        <p:spPr>
+          <a:xfrm>
+            <a:off x="146243" y="157440"/>
+            <a:ext cx="1117006" cy="1047193"/>
+          </a:xfrm>
+          <a:prstGeom prst="rect">
+            <a:avLst/>
+          </a:prstGeom>
+        </p:spPr>
+      </p:pic>
       <p:sp>
         <p:nvSpPr>
           <p:cNvPr id="2" name="Naslov 1">
             <a:extLst>
               <a:ext uri="{FF2B5EF4-FFF2-40B4-BE49-F238E27FC236}">
-                <a16:creationId xmlns:a16="http://schemas.microsoft.com/office/drawing/2014/main" id="{90386274-E615-4435-B0F7-D38E16B305B7}"/>
+                <a16:creationId xmlns:a16="http://schemas.microsoft.com/office/drawing/2014/main" id="{648DD21C-3903-4512-90DE-F2CBAE96C50C}"/>
               </a:ext>
             </a:extLst>
           </p:cNvPr>
@@ -5937,7 +6388,7 @@
           <a:p>
             <a:r>
               <a:rPr lang="hr-HR" dirty="0"/>
-              <a:t>Zadatak 5</a:t>
+              <a:t>Zadatak 4</a:t>
             </a:r>
           </a:p>
         </p:txBody>
@@ -5947,7 +6398,7 @@
           <p:cNvPr id="3" name="Rezervirano mjesto sadržaja 2">
             <a:extLst>
               <a:ext uri="{FF2B5EF4-FFF2-40B4-BE49-F238E27FC236}">
-                <a16:creationId xmlns:a16="http://schemas.microsoft.com/office/drawing/2014/main" id="{45502C35-AB2B-4CF4-B8B2-7D517D9674AA}"/>
+                <a16:creationId xmlns:a16="http://schemas.microsoft.com/office/drawing/2014/main" id="{1C63C4F3-01DB-4DC9-ADD4-81F87FA548F6}"/>
               </a:ext>
             </a:extLst>
           </p:cNvPr>
@@ -5965,8 +6416,20 @@
           <a:p>
             <a:r>
               <a:rPr lang="hr-HR" dirty="0"/>
-              <a:t>Spremiti podatke u CSV datoteku</a:t>
-            </a:r>
+              <a:t>Grupirati redove po regiji i ispisati ukupnu površinu</a:t>
+            </a:r>
+          </a:p>
+          <a:p>
+            <a:r>
+              <a:rPr lang="hr-HR" dirty="0"/>
+              <a:t>Nacrtati graf koji prikazuje ukupni broj stanovnika po regiji</a:t>
+            </a:r>
+          </a:p>
+          <a:p>
+            <a:pPr marL="0" indent="0">
+              <a:buNone/>
+            </a:pPr>
+            <a:endParaRPr lang="hr-HR" dirty="0"/>
           </a:p>
         </p:txBody>
       </p:sp>
@@ -5975,7 +6438,7 @@
           <p:cNvPr id="5" name="TekstniOkvir 4">
             <a:extLst>
               <a:ext uri="{FF2B5EF4-FFF2-40B4-BE49-F238E27FC236}">
-                <a16:creationId xmlns:a16="http://schemas.microsoft.com/office/drawing/2014/main" id="{7EA18864-B6AB-482E-BF40-C84C05E6F7AF}"/>
+                <a16:creationId xmlns:a16="http://schemas.microsoft.com/office/drawing/2014/main" id="{BE4EC215-2AD8-4FA5-9D71-90E2EBA49087}"/>
               </a:ext>
             </a:extLst>
           </p:cNvPr>
@@ -5985,7 +6448,7 @@
         <p:spPr>
           <a:xfrm>
             <a:off x="5934075" y="3990975"/>
-            <a:ext cx="5581650" cy="646331"/>
+            <a:ext cx="5581650" cy="923330"/>
           </a:xfrm>
           <a:prstGeom prst="rect">
             <a:avLst/>
@@ -6006,9 +6469,18 @@
           <a:p>
             <a:r>
               <a:rPr lang="hr-HR" dirty="0" err="1">
-                <a:hlinkClick r:id="rId2"/>
+                <a:hlinkClick r:id="rId3"/>
               </a:rPr>
-              <a:t>to_csv</a:t>
+              <a:t>Groupby</a:t>
+            </a:r>
+            <a:endParaRPr lang="hr-HR" dirty="0"/>
+          </a:p>
+          <a:p>
+            <a:r>
+              <a:rPr lang="hr-HR" dirty="0">
+                <a:hlinkClick r:id="rId4"/>
+              </a:rPr>
+              <a:t>plot</a:t>
             </a:r>
             <a:endParaRPr lang="hr-HR" dirty="0"/>
           </a:p>
@@ -6017,7 +6489,7 @@
     </p:spTree>
     <p:extLst>
       <p:ext uri="{BB962C8B-B14F-4D97-AF65-F5344CB8AC3E}">
-        <p14:creationId xmlns:p14="http://schemas.microsoft.com/office/powerpoint/2010/main" val="2381992567"/>
+        <p14:creationId xmlns:p14="http://schemas.microsoft.com/office/powerpoint/2010/main" val="1494899353"/>
       </p:ext>
     </p:extLst>
   </p:cSld>
@@ -6044,12 +6516,42 @@
           <a:chExt cx="0" cy="0"/>
         </a:xfrm>
       </p:grpSpPr>
+      <p:pic>
+        <p:nvPicPr>
+          <p:cNvPr id="6" name="Slika 5">
+            <a:extLst>
+              <a:ext uri="{FF2B5EF4-FFF2-40B4-BE49-F238E27FC236}">
+                <a16:creationId xmlns:a16="http://schemas.microsoft.com/office/drawing/2014/main" id="{0C89B84C-B638-FFAA-1148-2D74EA09FDC7}"/>
+              </a:ext>
+            </a:extLst>
+          </p:cNvPr>
+          <p:cNvPicPr>
+            <a:picLocks noChangeAspect="1"/>
+          </p:cNvPicPr>
+          <p:nvPr/>
+        </p:nvPicPr>
+        <p:blipFill>
+          <a:blip r:embed="rId2"/>
+          <a:stretch>
+            <a:fillRect/>
+          </a:stretch>
+        </p:blipFill>
+        <p:spPr>
+          <a:xfrm>
+            <a:off x="146243" y="157440"/>
+            <a:ext cx="1117006" cy="1047193"/>
+          </a:xfrm>
+          <a:prstGeom prst="rect">
+            <a:avLst/>
+          </a:prstGeom>
+        </p:spPr>
+      </p:pic>
       <p:sp>
         <p:nvSpPr>
           <p:cNvPr id="2" name="Naslov 1">
             <a:extLst>
               <a:ext uri="{FF2B5EF4-FFF2-40B4-BE49-F238E27FC236}">
-                <a16:creationId xmlns:a16="http://schemas.microsoft.com/office/drawing/2014/main" id="{5BFC1B5C-099A-40AA-AC35-86A2ACD4E4DD}"/>
+                <a16:creationId xmlns:a16="http://schemas.microsoft.com/office/drawing/2014/main" id="{90386274-E615-4435-B0F7-D38E16B305B7}"/>
               </a:ext>
             </a:extLst>
           </p:cNvPr>
@@ -6067,7 +6569,7 @@
           <a:p>
             <a:r>
               <a:rPr lang="hr-HR" dirty="0"/>
-              <a:t>Projekt 3 – kosi hitac (dodatno)</a:t>
+              <a:t>Zadatak 5</a:t>
             </a:r>
           </a:p>
         </p:txBody>
@@ -6077,7 +6579,7 @@
           <p:cNvPr id="3" name="Rezervirano mjesto sadržaja 2">
             <a:extLst>
               <a:ext uri="{FF2B5EF4-FFF2-40B4-BE49-F238E27FC236}">
-                <a16:creationId xmlns:a16="http://schemas.microsoft.com/office/drawing/2014/main" id="{D2E4FCEA-052E-4CB3-B577-C4D395A0E31F}"/>
+                <a16:creationId xmlns:a16="http://schemas.microsoft.com/office/drawing/2014/main" id="{45502C35-AB2B-4CF4-B8B2-7D517D9674AA}"/>
               </a:ext>
             </a:extLst>
           </p:cNvPr>
@@ -6095,45 +6597,59 @@
           <a:p>
             <a:r>
               <a:rPr lang="hr-HR" dirty="0"/>
-              <a:t>Napraviti funkciju koja će izračunati vrijednosti za x, y koordinata u vremenu i dodati malu nasumičnu vrijednost (greška pri mjerenju)</a:t>
-            </a:r>
-          </a:p>
+              <a:t>Spremiti podatke u CSV datoteku</a:t>
+            </a:r>
+          </a:p>
+        </p:txBody>
+      </p:sp>
+      <p:sp>
+        <p:nvSpPr>
+          <p:cNvPr id="5" name="TekstniOkvir 4">
+            <a:extLst>
+              <a:ext uri="{FF2B5EF4-FFF2-40B4-BE49-F238E27FC236}">
+                <a16:creationId xmlns:a16="http://schemas.microsoft.com/office/drawing/2014/main" id="{7EA18864-B6AB-482E-BF40-C84C05E6F7AF}"/>
+              </a:ext>
+            </a:extLst>
+          </p:cNvPr>
+          <p:cNvSpPr txBox="1"/>
+          <p:nvPr/>
+        </p:nvSpPr>
+        <p:spPr>
+          <a:xfrm>
+            <a:off x="5934075" y="3990975"/>
+            <a:ext cx="5581650" cy="646331"/>
+          </a:xfrm>
+          <a:prstGeom prst="rect">
+            <a:avLst/>
+          </a:prstGeom>
+          <a:noFill/>
+        </p:spPr>
+        <p:txBody>
+          <a:bodyPr wrap="square" rtlCol="0">
+            <a:spAutoFit/>
+          </a:bodyPr>
+          <a:lstStyle/>
           <a:p>
             <a:r>
               <a:rPr lang="hr-HR" dirty="0"/>
-              <a:t>Funkciju pozvati 5 puta, odrediti za svaki trenutak prosječnu vrijednost i srednju kvadratnu pogrešku</a:t>
-            </a:r>
-          </a:p>
-          <a:p>
-            <a:r>
-              <a:rPr lang="hr-HR" dirty="0"/>
-              <a:t>Spremiti podatke u datoteku</a:t>
-            </a:r>
-          </a:p>
-          <a:p>
-            <a:r>
-              <a:rPr lang="hr-HR" dirty="0"/>
-              <a:t>Nacrtati podatke i nacrtati teorijsku krivulju kako bi se podaci trebali ponašati</a:t>
-            </a:r>
-          </a:p>
-          <a:p>
-            <a:r>
-              <a:rPr lang="hr-HR" dirty="0"/>
-              <a:t>Dodati oznake greške na graf</a:t>
-            </a:r>
-          </a:p>
-          <a:p>
-            <a:r>
-              <a:rPr lang="hr-HR" dirty="0"/>
-              <a:t>Izračunati srednju kvadratnu pogrešku</a:t>
-            </a:r>
+              <a:t>Metode:</a:t>
+            </a:r>
+          </a:p>
+          <a:p>
+            <a:r>
+              <a:rPr lang="hr-HR" dirty="0" err="1">
+                <a:hlinkClick r:id="rId3"/>
+              </a:rPr>
+              <a:t>to_csv</a:t>
+            </a:r>
+            <a:endParaRPr lang="hr-HR" dirty="0"/>
           </a:p>
         </p:txBody>
       </p:sp>
     </p:spTree>
     <p:extLst>
       <p:ext uri="{BB962C8B-B14F-4D97-AF65-F5344CB8AC3E}">
-        <p14:creationId xmlns:p14="http://schemas.microsoft.com/office/powerpoint/2010/main" val="5882169"/>
+        <p14:creationId xmlns:p14="http://schemas.microsoft.com/office/powerpoint/2010/main" val="2381992567"/>
       </p:ext>
     </p:extLst>
   </p:cSld>
@@ -6165,6 +6681,260 @@
           <p:cNvPr id="2" name="Naslov 1">
             <a:extLst>
               <a:ext uri="{FF2B5EF4-FFF2-40B4-BE49-F238E27FC236}">
+                <a16:creationId xmlns:a16="http://schemas.microsoft.com/office/drawing/2014/main" id="{5BFC1B5C-099A-40AA-AC35-86A2ACD4E4DD}"/>
+              </a:ext>
+            </a:extLst>
+          </p:cNvPr>
+          <p:cNvSpPr>
+            <a:spLocks noGrp="1"/>
+          </p:cNvSpPr>
+          <p:nvPr>
+            <p:ph type="title"/>
+          </p:nvPr>
+        </p:nvSpPr>
+        <p:spPr/>
+        <p:txBody>
+          <a:bodyPr/>
+          <a:lstStyle/>
+          <a:p>
+            <a:r>
+              <a:rPr lang="hr-HR" dirty="0"/>
+              <a:t>Projekt 3 – kosi hitac (dodatno)</a:t>
+            </a:r>
+          </a:p>
+        </p:txBody>
+      </p:sp>
+      <p:sp>
+        <p:nvSpPr>
+          <p:cNvPr id="3" name="Rezervirano mjesto sadržaja 2">
+            <a:extLst>
+              <a:ext uri="{FF2B5EF4-FFF2-40B4-BE49-F238E27FC236}">
+                <a16:creationId xmlns:a16="http://schemas.microsoft.com/office/drawing/2014/main" id="{D2E4FCEA-052E-4CB3-B577-C4D395A0E31F}"/>
+              </a:ext>
+            </a:extLst>
+          </p:cNvPr>
+          <p:cNvSpPr>
+            <a:spLocks noGrp="1"/>
+          </p:cNvSpPr>
+          <p:nvPr>
+            <p:ph idx="1"/>
+          </p:nvPr>
+        </p:nvSpPr>
+        <p:spPr/>
+        <p:txBody>
+          <a:bodyPr/>
+          <a:lstStyle/>
+          <a:p>
+            <a:r>
+              <a:rPr lang="hr-HR" dirty="0"/>
+              <a:t>Napraviti funkciju koja će izračunati vrijednosti za x, y koordinata u vremenu i dodati malu nasumičnu vrijednost (greška pri mjerenju)</a:t>
+            </a:r>
+          </a:p>
+          <a:p>
+            <a:r>
+              <a:rPr lang="hr-HR" dirty="0"/>
+              <a:t>Funkciju pozvati 5 puta, odrediti za svaki trenutak prosječnu vrijednost i srednju kvadratnu pogrešku</a:t>
+            </a:r>
+          </a:p>
+          <a:p>
+            <a:r>
+              <a:rPr lang="hr-HR" dirty="0"/>
+              <a:t>Spremiti podatke u datoteku</a:t>
+            </a:r>
+          </a:p>
+          <a:p>
+            <a:r>
+              <a:rPr lang="hr-HR" dirty="0"/>
+              <a:t>Nacrtati podatke i nacrtati teorijsku krivulju kako bi se podaci trebali ponašati</a:t>
+            </a:r>
+          </a:p>
+          <a:p>
+            <a:r>
+              <a:rPr lang="hr-HR" dirty="0"/>
+              <a:t>Dodati oznake greške na graf</a:t>
+            </a:r>
+          </a:p>
+          <a:p>
+            <a:r>
+              <a:rPr lang="hr-HR" dirty="0"/>
+              <a:t>Izračunati srednju kvadratnu pogrešku</a:t>
+            </a:r>
+          </a:p>
+        </p:txBody>
+      </p:sp>
+      <p:pic>
+        <p:nvPicPr>
+          <p:cNvPr id="4" name="Grafika 3" descr="Zupčanici">
+            <a:extLst>
+              <a:ext uri="{FF2B5EF4-FFF2-40B4-BE49-F238E27FC236}">
+                <a16:creationId xmlns:a16="http://schemas.microsoft.com/office/drawing/2014/main" id="{5FBAA27E-FA7E-A6B3-52FD-F02BB36AE09B}"/>
+              </a:ext>
+            </a:extLst>
+          </p:cNvPr>
+          <p:cNvPicPr>
+            <a:picLocks noChangeAspect="1"/>
+          </p:cNvPicPr>
+          <p:nvPr/>
+        </p:nvPicPr>
+        <p:blipFill>
+          <a:blip r:embed="rId2">
+            <a:extLst>
+              <a:ext uri="{28A0092B-C50C-407E-A947-70E740481C1C}">
+                <a14:useLocalDpi xmlns:a14="http://schemas.microsoft.com/office/drawing/2010/main" val="0"/>
+              </a:ext>
+              <a:ext uri="{96DAC541-7B7A-43D3-8B79-37D633B846F1}">
+                <asvg:svgBlip xmlns:asvg="http://schemas.microsoft.com/office/drawing/2016/SVG/main" r:embed="rId3"/>
+              </a:ext>
+            </a:extLst>
+          </a:blip>
+          <a:stretch>
+            <a:fillRect/>
+          </a:stretch>
+        </p:blipFill>
+        <p:spPr>
+          <a:xfrm>
+            <a:off x="77730" y="113506"/>
+            <a:ext cx="914400" cy="914400"/>
+          </a:xfrm>
+          <a:prstGeom prst="rect">
+            <a:avLst/>
+          </a:prstGeom>
+        </p:spPr>
+      </p:pic>
+    </p:spTree>
+    <p:extLst>
+      <p:ext uri="{BB962C8B-B14F-4D97-AF65-F5344CB8AC3E}">
+        <p14:creationId xmlns:p14="http://schemas.microsoft.com/office/powerpoint/2010/main" val="5882169"/>
+      </p:ext>
+    </p:extLst>
+  </p:cSld>
+  <p:clrMapOvr>
+    <a:masterClrMapping/>
+  </p:clrMapOvr>
+</p:sld>
+</file>
+
+<file path=ppt/slides/slide26.xml><?xml version="1.0" encoding="utf-8"?>
+<p:sld xmlns:a="http://schemas.openxmlformats.org/drawingml/2006/main" xmlns:r="http://schemas.openxmlformats.org/officeDocument/2006/relationships" xmlns:p="http://schemas.openxmlformats.org/presentationml/2006/main">
+  <p:cSld>
+    <p:spTree>
+      <p:nvGrpSpPr>
+        <p:cNvPr id="1" name=""/>
+        <p:cNvGrpSpPr/>
+        <p:nvPr/>
+      </p:nvGrpSpPr>
+      <p:grpSpPr>
+        <a:xfrm>
+          <a:off x="0" y="0"/>
+          <a:ext cx="0" cy="0"/>
+          <a:chOff x="0" y="0"/>
+          <a:chExt cx="0" cy="0"/>
+        </a:xfrm>
+      </p:grpSpPr>
+      <p:sp>
+        <p:nvSpPr>
+          <p:cNvPr id="2" name="Naslov 1">
+            <a:extLst>
+              <a:ext uri="{FF2B5EF4-FFF2-40B4-BE49-F238E27FC236}">
+                <a16:creationId xmlns:a16="http://schemas.microsoft.com/office/drawing/2014/main" id="{AEAB74A8-927F-8FFE-482C-3CE206EEE3B1}"/>
+              </a:ext>
+            </a:extLst>
+          </p:cNvPr>
+          <p:cNvSpPr>
+            <a:spLocks noGrp="1"/>
+          </p:cNvSpPr>
+          <p:nvPr>
+            <p:ph type="title"/>
+          </p:nvPr>
+        </p:nvSpPr>
+        <p:spPr/>
+        <p:txBody>
+          <a:bodyPr/>
+          <a:lstStyle/>
+          <a:p>
+            <a:r>
+              <a:rPr lang="hr-HR" dirty="0"/>
+              <a:t>Projekt 4 – kvaliteta zraka </a:t>
+            </a:r>
+          </a:p>
+        </p:txBody>
+      </p:sp>
+      <p:sp>
+        <p:nvSpPr>
+          <p:cNvPr id="3" name="Rezervirano mjesto sadržaja 2">
+            <a:extLst>
+              <a:ext uri="{FF2B5EF4-FFF2-40B4-BE49-F238E27FC236}">
+                <a16:creationId xmlns:a16="http://schemas.microsoft.com/office/drawing/2014/main" id="{29BCC8B5-47A4-F844-6501-E809F1D82168}"/>
+              </a:ext>
+            </a:extLst>
+          </p:cNvPr>
+          <p:cNvSpPr>
+            <a:spLocks noGrp="1"/>
+          </p:cNvSpPr>
+          <p:nvPr>
+            <p:ph idx="1"/>
+          </p:nvPr>
+        </p:nvSpPr>
+        <p:spPr/>
+        <p:txBody>
+          <a:bodyPr/>
+          <a:lstStyle/>
+          <a:p>
+            <a:r>
+              <a:rPr lang="hr-HR" b="0" dirty="0">
+                <a:solidFill>
+                  <a:srgbClr val="6A9955"/>
+                </a:solidFill>
+                <a:effectLst/>
+                <a:latin typeface="Consolas" panose="020B0609020204030204" pitchFamily="49" charset="0"/>
+              </a:rPr>
+              <a:t>https://www.kaggle.com/code/piumallick/air-pollution-analysis-on-air-quality-index/notebook</a:t>
+            </a:r>
+            <a:endParaRPr lang="hr-HR" b="0" dirty="0">
+              <a:solidFill>
+                <a:srgbClr val="CCCCCC"/>
+              </a:solidFill>
+              <a:effectLst/>
+              <a:latin typeface="Consolas" panose="020B0609020204030204" pitchFamily="49" charset="0"/>
+            </a:endParaRPr>
+          </a:p>
+        </p:txBody>
+      </p:sp>
+    </p:spTree>
+    <p:extLst>
+      <p:ext uri="{BB962C8B-B14F-4D97-AF65-F5344CB8AC3E}">
+        <p14:creationId xmlns:p14="http://schemas.microsoft.com/office/powerpoint/2010/main" val="3893925408"/>
+      </p:ext>
+    </p:extLst>
+  </p:cSld>
+  <p:clrMapOvr>
+    <a:masterClrMapping/>
+  </p:clrMapOvr>
+</p:sld>
+</file>
+
+<file path=ppt/slides/slide27.xml><?xml version="1.0" encoding="utf-8"?>
+<p:sld xmlns:a="http://schemas.openxmlformats.org/drawingml/2006/main" xmlns:r="http://schemas.openxmlformats.org/officeDocument/2006/relationships" xmlns:p="http://schemas.openxmlformats.org/presentationml/2006/main">
+  <p:cSld>
+    <p:spTree>
+      <p:nvGrpSpPr>
+        <p:cNvPr id="1" name=""/>
+        <p:cNvGrpSpPr/>
+        <p:nvPr/>
+      </p:nvGrpSpPr>
+      <p:grpSpPr>
+        <a:xfrm>
+          <a:off x="0" y="0"/>
+          <a:ext cx="0" cy="0"/>
+          <a:chOff x="0" y="0"/>
+          <a:chExt cx="0" cy="0"/>
+        </a:xfrm>
+      </p:grpSpPr>
+      <p:sp>
+        <p:nvSpPr>
+          <p:cNvPr id="2" name="Naslov 1">
+            <a:extLst>
+              <a:ext uri="{FF2B5EF4-FFF2-40B4-BE49-F238E27FC236}">
                 <a16:creationId xmlns:a16="http://schemas.microsoft.com/office/drawing/2014/main" id="{A8AADE7C-EB02-4B64-AE94-9231FA68B810}"/>
               </a:ext>
             </a:extLst>
@@ -6322,6 +7092,45 @@
           </a:p>
         </p:txBody>
       </p:sp>
+      <p:pic>
+        <p:nvPicPr>
+          <p:cNvPr id="4" name="Grafika 3" descr="Zupčanici">
+            <a:extLst>
+              <a:ext uri="{FF2B5EF4-FFF2-40B4-BE49-F238E27FC236}">
+                <a16:creationId xmlns:a16="http://schemas.microsoft.com/office/drawing/2014/main" id="{EF71F6AB-0A92-81B5-4547-AF5C6428E173}"/>
+              </a:ext>
+            </a:extLst>
+          </p:cNvPr>
+          <p:cNvPicPr>
+            <a:picLocks noChangeAspect="1"/>
+          </p:cNvPicPr>
+          <p:nvPr/>
+        </p:nvPicPr>
+        <p:blipFill>
+          <a:blip r:embed="rId4">
+            <a:extLst>
+              <a:ext uri="{28A0092B-C50C-407E-A947-70E740481C1C}">
+                <a14:useLocalDpi xmlns:a14="http://schemas.microsoft.com/office/drawing/2010/main" val="0"/>
+              </a:ext>
+              <a:ext uri="{96DAC541-7B7A-43D3-8B79-37D633B846F1}">
+                <asvg:svgBlip xmlns:asvg="http://schemas.microsoft.com/office/drawing/2016/SVG/main" r:embed="rId5"/>
+              </a:ext>
+            </a:extLst>
+          </a:blip>
+          <a:stretch>
+            <a:fillRect/>
+          </a:stretch>
+        </p:blipFill>
+        <p:spPr>
+          <a:xfrm>
+            <a:off x="77730" y="113506"/>
+            <a:ext cx="914400" cy="914400"/>
+          </a:xfrm>
+          <a:prstGeom prst="rect">
+            <a:avLst/>
+          </a:prstGeom>
+        </p:spPr>
+      </p:pic>
     </p:spTree>
     <p:extLst>
       <p:ext uri="{BB962C8B-B14F-4D97-AF65-F5344CB8AC3E}">
@@ -6335,7 +7144,7 @@
 </p:sld>
 </file>
 
-<file path=ppt/slides/slide26.xml><?xml version="1.0" encoding="utf-8"?>
+<file path=ppt/slides/slide28.xml><?xml version="1.0" encoding="utf-8"?>
 <p:sld xmlns:a="http://schemas.openxmlformats.org/drawingml/2006/main" xmlns:r="http://schemas.openxmlformats.org/officeDocument/2006/relationships" xmlns:p="http://schemas.openxmlformats.org/presentationml/2006/main">
   <p:cSld>
     <p:spTree>
@@ -6996,7 +7805,7 @@
             </a:r>
             <a:r>
               <a:rPr lang="hr-HR" dirty="0" err="1"/>
-              <a:t>integer</a:t>
+              <a:t>int</a:t>
             </a:r>
             <a:r>
               <a:rPr lang="hr-HR" dirty="0"/>
@@ -7029,6 +7838,45 @@
           </a:p>
         </p:txBody>
       </p:sp>
+      <p:pic>
+        <p:nvPicPr>
+          <p:cNvPr id="4" name="Grafika 3" descr="Zupčanici">
+            <a:extLst>
+              <a:ext uri="{FF2B5EF4-FFF2-40B4-BE49-F238E27FC236}">
+                <a16:creationId xmlns:a16="http://schemas.microsoft.com/office/drawing/2014/main" id="{517D64CA-2F83-9724-3BED-EC609A3B8D44}"/>
+              </a:ext>
+            </a:extLst>
+          </p:cNvPr>
+          <p:cNvPicPr>
+            <a:picLocks noChangeAspect="1"/>
+          </p:cNvPicPr>
+          <p:nvPr/>
+        </p:nvPicPr>
+        <p:blipFill>
+          <a:blip r:embed="rId2">
+            <a:extLst>
+              <a:ext uri="{28A0092B-C50C-407E-A947-70E740481C1C}">
+                <a14:useLocalDpi xmlns:a14="http://schemas.microsoft.com/office/drawing/2010/main" val="0"/>
+              </a:ext>
+              <a:ext uri="{96DAC541-7B7A-43D3-8B79-37D633B846F1}">
+                <asvg:svgBlip xmlns:asvg="http://schemas.microsoft.com/office/drawing/2016/SVG/main" r:embed="rId3"/>
+              </a:ext>
+            </a:extLst>
+          </a:blip>
+          <a:stretch>
+            <a:fillRect/>
+          </a:stretch>
+        </p:blipFill>
+        <p:spPr>
+          <a:xfrm>
+            <a:off x="77730" y="113506"/>
+            <a:ext cx="914400" cy="914400"/>
+          </a:xfrm>
+          <a:prstGeom prst="rect">
+            <a:avLst/>
+          </a:prstGeom>
+        </p:spPr>
+      </p:pic>
     </p:spTree>
     <p:extLst>
       <p:ext uri="{BB962C8B-B14F-4D97-AF65-F5344CB8AC3E}">
@@ -7059,106 +7907,12 @@
           <a:chExt cx="0" cy="0"/>
         </a:xfrm>
       </p:grpSpPr>
-      <p:sp>
-        <p:nvSpPr>
-          <p:cNvPr id="2" name="Naslov 1">
-            <a:extLst>
-              <a:ext uri="{FF2B5EF4-FFF2-40B4-BE49-F238E27FC236}">
-                <a16:creationId xmlns:a16="http://schemas.microsoft.com/office/drawing/2014/main" id="{6A3BA8F6-F56E-4392-B4A1-7142A6064226}"/>
-              </a:ext>
-            </a:extLst>
-          </p:cNvPr>
-          <p:cNvSpPr>
-            <a:spLocks noGrp="1"/>
-          </p:cNvSpPr>
-          <p:nvPr>
-            <p:ph type="title"/>
-          </p:nvPr>
-        </p:nvSpPr>
-        <p:spPr/>
-        <p:txBody>
-          <a:bodyPr/>
-          <a:lstStyle/>
-          <a:p>
-            <a:r>
-              <a:rPr lang="hr-HR" dirty="0"/>
-              <a:t>1. Projekt – vremenska prognoza</a:t>
-            </a:r>
-          </a:p>
-        </p:txBody>
-      </p:sp>
-      <p:sp>
-        <p:nvSpPr>
-          <p:cNvPr id="3" name="Rezervirano mjesto sadržaja 2">
-            <a:extLst>
-              <a:ext uri="{FF2B5EF4-FFF2-40B4-BE49-F238E27FC236}">
-                <a16:creationId xmlns:a16="http://schemas.microsoft.com/office/drawing/2014/main" id="{A3A20F2F-D241-413B-AB4D-B54F54C444BA}"/>
-              </a:ext>
-            </a:extLst>
-          </p:cNvPr>
-          <p:cNvSpPr>
-            <a:spLocks noGrp="1"/>
-          </p:cNvSpPr>
-          <p:nvPr>
-            <p:ph idx="1"/>
-          </p:nvPr>
-        </p:nvSpPr>
-        <p:spPr/>
-        <p:txBody>
-          <a:bodyPr/>
-          <a:lstStyle/>
-          <a:p>
-            <a:pPr>
-              <a:lnSpc>
-                <a:spcPct val="150000"/>
-              </a:lnSpc>
-            </a:pPr>
-            <a:r>
-              <a:rPr lang="hr-HR" dirty="0"/>
-              <a:t>Kako dobaviti podatke za vremensku prognozu?</a:t>
-            </a:r>
-          </a:p>
-          <a:p>
-            <a:pPr>
-              <a:lnSpc>
-                <a:spcPct val="150000"/>
-              </a:lnSpc>
-            </a:pPr>
-            <a:r>
-              <a:rPr lang="hr-HR" dirty="0"/>
-              <a:t>Kako prikazati podatke?</a:t>
-            </a:r>
-          </a:p>
-          <a:p>
-            <a:pPr>
-              <a:lnSpc>
-                <a:spcPct val="150000"/>
-              </a:lnSpc>
-            </a:pPr>
-            <a:r>
-              <a:rPr lang="hr-HR" dirty="0"/>
-              <a:t>Kako ih prilagoditi u format koji nam odgovara?</a:t>
-            </a:r>
-          </a:p>
-          <a:p>
-            <a:pPr>
-              <a:lnSpc>
-                <a:spcPct val="150000"/>
-              </a:lnSpc>
-            </a:pPr>
-            <a:r>
-              <a:rPr lang="hr-HR" dirty="0"/>
-              <a:t>Kako nacrtati graf temperature za idući tjedan?</a:t>
-            </a:r>
-          </a:p>
-        </p:txBody>
-      </p:sp>
       <p:pic>
         <p:nvPicPr>
           <p:cNvPr id="5" name="Slika 4">
             <a:extLst>
               <a:ext uri="{FF2B5EF4-FFF2-40B4-BE49-F238E27FC236}">
-                <a16:creationId xmlns:a16="http://schemas.microsoft.com/office/drawing/2014/main" id="{0493F79F-AD25-453E-910F-667CAB477A53}"/>
+                <a16:creationId xmlns:a16="http://schemas.microsoft.com/office/drawing/2014/main" id="{60863771-B5E7-1442-2EBA-76ED1AE8E0A9}"/>
               </a:ext>
             </a:extLst>
           </p:cNvPr>
@@ -7175,18 +7929,171 @@
         </p:blipFill>
         <p:spPr>
           <a:xfrm>
-            <a:off x="10573304" y="5709535"/>
-            <a:ext cx="972250" cy="934856"/>
+            <a:off x="146243" y="157440"/>
+            <a:ext cx="1117006" cy="1047193"/>
           </a:xfrm>
           <a:prstGeom prst="rect">
             <a:avLst/>
           </a:prstGeom>
         </p:spPr>
       </p:pic>
+      <p:sp>
+        <p:nvSpPr>
+          <p:cNvPr id="2" name="Naslov 1">
+            <a:extLst>
+              <a:ext uri="{FF2B5EF4-FFF2-40B4-BE49-F238E27FC236}">
+                <a16:creationId xmlns:a16="http://schemas.microsoft.com/office/drawing/2014/main" id="{BF9F7173-2186-5106-CDB6-02A91404D223}"/>
+              </a:ext>
+            </a:extLst>
+          </p:cNvPr>
+          <p:cNvSpPr>
+            <a:spLocks noGrp="1"/>
+          </p:cNvSpPr>
+          <p:nvPr>
+            <p:ph type="title"/>
+          </p:nvPr>
+        </p:nvSpPr>
+        <p:spPr/>
+        <p:txBody>
+          <a:bodyPr/>
+          <a:lstStyle/>
+          <a:p>
+            <a:r>
+              <a:rPr lang="hr-HR" dirty="0"/>
+              <a:t>Zadatak – ponavljanje Pythona</a:t>
+            </a:r>
+          </a:p>
+        </p:txBody>
+      </p:sp>
+      <p:sp>
+        <p:nvSpPr>
+          <p:cNvPr id="3" name="Rezervirano mjesto sadržaja 2">
+            <a:extLst>
+              <a:ext uri="{FF2B5EF4-FFF2-40B4-BE49-F238E27FC236}">
+                <a16:creationId xmlns:a16="http://schemas.microsoft.com/office/drawing/2014/main" id="{5A3AEA24-548F-F022-12F2-31273196618C}"/>
+              </a:ext>
+            </a:extLst>
+          </p:cNvPr>
+          <p:cNvSpPr>
+            <a:spLocks noGrp="1"/>
+          </p:cNvSpPr>
+          <p:nvPr>
+            <p:ph idx="1"/>
+          </p:nvPr>
+        </p:nvSpPr>
+        <p:spPr/>
+        <p:txBody>
+          <a:bodyPr/>
+          <a:lstStyle/>
+          <a:p>
+            <a:r>
+              <a:rPr lang="hr-HR" dirty="0"/>
+              <a:t>Generirati nasumične </a:t>
+            </a:r>
+            <a:r>
+              <a:rPr lang="hr-HR" dirty="0" err="1"/>
+              <a:t>stringove</a:t>
+            </a:r>
+            <a:r>
+              <a:rPr lang="hr-HR" dirty="0"/>
+              <a:t> duljine n</a:t>
+            </a:r>
+          </a:p>
+          <a:p>
+            <a:r>
+              <a:rPr lang="hr-HR" dirty="0"/>
+              <a:t>Spremiti ih u datoteku</a:t>
+            </a:r>
+          </a:p>
+          <a:p>
+            <a:r>
+              <a:rPr lang="hr-HR" dirty="0"/>
+              <a:t>Pročitati iz datoteke</a:t>
+            </a:r>
+          </a:p>
+          <a:p>
+            <a:r>
+              <a:rPr lang="hr-HR" dirty="0"/>
+              <a:t>Izračunati udaljenosti između </a:t>
+            </a:r>
+            <a:r>
+              <a:rPr lang="hr-HR" dirty="0" err="1"/>
+              <a:t>stringova</a:t>
+            </a:r>
+            <a:endParaRPr lang="hr-HR" dirty="0"/>
+          </a:p>
+          <a:p>
+            <a:pPr lvl="1"/>
+            <a:r>
+              <a:rPr lang="hr-HR" dirty="0" err="1"/>
+              <a:t>Hammingova</a:t>
+            </a:r>
+            <a:r>
+              <a:rPr lang="hr-HR" dirty="0"/>
+              <a:t> udaljenost – omjer između broja različitih elemenata i duljine niza</a:t>
+            </a:r>
+          </a:p>
+          <a:p>
+            <a:pPr lvl="1"/>
+            <a:r>
+              <a:rPr lang="hr-HR" dirty="0"/>
+              <a:t>Dodatno: Izmjeri vrijeme izvođenja</a:t>
+            </a:r>
+          </a:p>
+          <a:p>
+            <a:r>
+              <a:rPr lang="hr-HR" dirty="0"/>
+              <a:t>Nacrtati distribuciju udaljenosti</a:t>
+            </a:r>
+          </a:p>
+          <a:p>
+            <a:pPr lvl="1"/>
+            <a:r>
+              <a:rPr lang="hr-HR" dirty="0" err="1"/>
+              <a:t>Matplotlib</a:t>
+            </a:r>
+            <a:r>
+              <a:rPr lang="hr-HR" dirty="0"/>
+              <a:t> </a:t>
+            </a:r>
+            <a:r>
+              <a:rPr lang="hr-HR" dirty="0" err="1">
+                <a:hlinkClick r:id="rId3"/>
+              </a:rPr>
+              <a:t>Histograms</a:t>
+            </a:r>
+            <a:r>
+              <a:rPr lang="hr-HR" dirty="0">
+                <a:hlinkClick r:id="rId3"/>
+              </a:rPr>
+              <a:t> — </a:t>
+            </a:r>
+            <a:r>
+              <a:rPr lang="hr-HR" dirty="0" err="1">
+                <a:hlinkClick r:id="rId3"/>
+              </a:rPr>
+              <a:t>Matplotlib</a:t>
+            </a:r>
+            <a:r>
+              <a:rPr lang="hr-HR" dirty="0">
+                <a:hlinkClick r:id="rId3"/>
+              </a:rPr>
+              <a:t> 3.8.0 </a:t>
+            </a:r>
+            <a:r>
+              <a:rPr lang="hr-HR" dirty="0" err="1">
+                <a:hlinkClick r:id="rId3"/>
+              </a:rPr>
+              <a:t>documentation</a:t>
+            </a:r>
+            <a:endParaRPr lang="hr-HR" dirty="0"/>
+          </a:p>
+        </p:txBody>
+      </p:sp>
     </p:spTree>
     <p:extLst>
       <p:ext uri="{BB962C8B-B14F-4D97-AF65-F5344CB8AC3E}">
-        <p14:creationId xmlns:p14="http://schemas.microsoft.com/office/powerpoint/2010/main" val="1617076952"/>
+        <p14:creationId xmlns:p14="http://schemas.microsoft.com/office/powerpoint/2010/main" val="94086159"/>
       </p:ext>
     </p:extLst>
   </p:cSld>
@@ -7218,6 +8125,199 @@
           <p:cNvPr id="2" name="Naslov 1">
             <a:extLst>
               <a:ext uri="{FF2B5EF4-FFF2-40B4-BE49-F238E27FC236}">
+                <a16:creationId xmlns:a16="http://schemas.microsoft.com/office/drawing/2014/main" id="{6A3BA8F6-F56E-4392-B4A1-7142A6064226}"/>
+              </a:ext>
+            </a:extLst>
+          </p:cNvPr>
+          <p:cNvSpPr>
+            <a:spLocks noGrp="1"/>
+          </p:cNvSpPr>
+          <p:nvPr>
+            <p:ph type="title"/>
+          </p:nvPr>
+        </p:nvSpPr>
+        <p:spPr/>
+        <p:txBody>
+          <a:bodyPr/>
+          <a:lstStyle/>
+          <a:p>
+            <a:r>
+              <a:rPr lang="hr-HR" dirty="0"/>
+              <a:t>1. Projekt – vremenska prognoza</a:t>
+            </a:r>
+          </a:p>
+        </p:txBody>
+      </p:sp>
+      <p:sp>
+        <p:nvSpPr>
+          <p:cNvPr id="3" name="Rezervirano mjesto sadržaja 2">
+            <a:extLst>
+              <a:ext uri="{FF2B5EF4-FFF2-40B4-BE49-F238E27FC236}">
+                <a16:creationId xmlns:a16="http://schemas.microsoft.com/office/drawing/2014/main" id="{A3A20F2F-D241-413B-AB4D-B54F54C444BA}"/>
+              </a:ext>
+            </a:extLst>
+          </p:cNvPr>
+          <p:cNvSpPr>
+            <a:spLocks noGrp="1"/>
+          </p:cNvSpPr>
+          <p:nvPr>
+            <p:ph idx="1"/>
+          </p:nvPr>
+        </p:nvSpPr>
+        <p:spPr/>
+        <p:txBody>
+          <a:bodyPr/>
+          <a:lstStyle/>
+          <a:p>
+            <a:pPr>
+              <a:lnSpc>
+                <a:spcPct val="150000"/>
+              </a:lnSpc>
+            </a:pPr>
+            <a:r>
+              <a:rPr lang="hr-HR" dirty="0"/>
+              <a:t>Kako dobaviti podatke za vremensku prognozu?</a:t>
+            </a:r>
+          </a:p>
+          <a:p>
+            <a:pPr>
+              <a:lnSpc>
+                <a:spcPct val="150000"/>
+              </a:lnSpc>
+            </a:pPr>
+            <a:r>
+              <a:rPr lang="hr-HR" dirty="0"/>
+              <a:t>Kako prikazati podatke?</a:t>
+            </a:r>
+          </a:p>
+          <a:p>
+            <a:pPr>
+              <a:lnSpc>
+                <a:spcPct val="150000"/>
+              </a:lnSpc>
+            </a:pPr>
+            <a:r>
+              <a:rPr lang="hr-HR" dirty="0"/>
+              <a:t>Kako ih prilagoditi u format koji nam odgovara?</a:t>
+            </a:r>
+          </a:p>
+          <a:p>
+            <a:pPr>
+              <a:lnSpc>
+                <a:spcPct val="150000"/>
+              </a:lnSpc>
+            </a:pPr>
+            <a:r>
+              <a:rPr lang="hr-HR" dirty="0"/>
+              <a:t>Kako nacrtati graf temperature za idući tjedan?</a:t>
+            </a:r>
+          </a:p>
+        </p:txBody>
+      </p:sp>
+      <p:pic>
+        <p:nvPicPr>
+          <p:cNvPr id="5" name="Slika 4">
+            <a:extLst>
+              <a:ext uri="{FF2B5EF4-FFF2-40B4-BE49-F238E27FC236}">
+                <a16:creationId xmlns:a16="http://schemas.microsoft.com/office/drawing/2014/main" id="{0493F79F-AD25-453E-910F-667CAB477A53}"/>
+              </a:ext>
+            </a:extLst>
+          </p:cNvPr>
+          <p:cNvPicPr>
+            <a:picLocks noChangeAspect="1"/>
+          </p:cNvPicPr>
+          <p:nvPr/>
+        </p:nvPicPr>
+        <p:blipFill>
+          <a:blip r:embed="rId2"/>
+          <a:stretch>
+            <a:fillRect/>
+          </a:stretch>
+        </p:blipFill>
+        <p:spPr>
+          <a:xfrm>
+            <a:off x="10573304" y="5709535"/>
+            <a:ext cx="972250" cy="934856"/>
+          </a:xfrm>
+          <a:prstGeom prst="rect">
+            <a:avLst/>
+          </a:prstGeom>
+        </p:spPr>
+      </p:pic>
+      <p:pic>
+        <p:nvPicPr>
+          <p:cNvPr id="4" name="Grafika 3" descr="Zupčanici">
+            <a:extLst>
+              <a:ext uri="{FF2B5EF4-FFF2-40B4-BE49-F238E27FC236}">
+                <a16:creationId xmlns:a16="http://schemas.microsoft.com/office/drawing/2014/main" id="{D106FB24-84E9-5187-117C-EB9EA0DD516D}"/>
+              </a:ext>
+            </a:extLst>
+          </p:cNvPr>
+          <p:cNvPicPr>
+            <a:picLocks noChangeAspect="1"/>
+          </p:cNvPicPr>
+          <p:nvPr/>
+        </p:nvPicPr>
+        <p:blipFill>
+          <a:blip r:embed="rId3">
+            <a:extLst>
+              <a:ext uri="{28A0092B-C50C-407E-A947-70E740481C1C}">
+                <a14:useLocalDpi xmlns:a14="http://schemas.microsoft.com/office/drawing/2010/main" val="0"/>
+              </a:ext>
+              <a:ext uri="{96DAC541-7B7A-43D3-8B79-37D633B846F1}">
+                <asvg:svgBlip xmlns:asvg="http://schemas.microsoft.com/office/drawing/2016/SVG/main" r:embed="rId4"/>
+              </a:ext>
+            </a:extLst>
+          </a:blip>
+          <a:stretch>
+            <a:fillRect/>
+          </a:stretch>
+        </p:blipFill>
+        <p:spPr>
+          <a:xfrm>
+            <a:off x="77730" y="113506"/>
+            <a:ext cx="914400" cy="914400"/>
+          </a:xfrm>
+          <a:prstGeom prst="rect">
+            <a:avLst/>
+          </a:prstGeom>
+        </p:spPr>
+      </p:pic>
+    </p:spTree>
+    <p:extLst>
+      <p:ext uri="{BB962C8B-B14F-4D97-AF65-F5344CB8AC3E}">
+        <p14:creationId xmlns:p14="http://schemas.microsoft.com/office/powerpoint/2010/main" val="1617076952"/>
+      </p:ext>
+    </p:extLst>
+  </p:cSld>
+  <p:clrMapOvr>
+    <a:masterClrMapping/>
+  </p:clrMapOvr>
+</p:sld>
+</file>
+
+<file path=ppt/slides/slide6.xml><?xml version="1.0" encoding="utf-8"?>
+<p:sld xmlns:a="http://schemas.openxmlformats.org/drawingml/2006/main" xmlns:r="http://schemas.openxmlformats.org/officeDocument/2006/relationships" xmlns:p="http://schemas.openxmlformats.org/presentationml/2006/main">
+  <p:cSld>
+    <p:spTree>
+      <p:nvGrpSpPr>
+        <p:cNvPr id="1" name=""/>
+        <p:cNvGrpSpPr/>
+        <p:nvPr/>
+      </p:nvGrpSpPr>
+      <p:grpSpPr>
+        <a:xfrm>
+          <a:off x="0" y="0"/>
+          <a:ext cx="0" cy="0"/>
+          <a:chOff x="0" y="0"/>
+          <a:chExt cx="0" cy="0"/>
+        </a:xfrm>
+      </p:grpSpPr>
+      <p:sp>
+        <p:nvSpPr>
+          <p:cNvPr id="2" name="Naslov 1">
+            <a:extLst>
+              <a:ext uri="{FF2B5EF4-FFF2-40B4-BE49-F238E27FC236}">
                 <a16:creationId xmlns:a16="http://schemas.microsoft.com/office/drawing/2014/main" id="{3A5184E0-39A0-45BD-B762-4D06B7E5B2B4}"/>
               </a:ext>
             </a:extLst>
@@ -7311,8 +8411,92 @@
             </a:r>
             <a:endParaRPr lang="hr-HR" dirty="0"/>
           </a:p>
-        </p:txBody>
-      </p:sp>
+          <a:p>
+            <a:r>
+              <a:rPr lang="hr-HR" dirty="0"/>
+              <a:t>Zahtjev mora sadržavati zaglavlje koje ima </a:t>
+            </a:r>
+            <a:r>
+              <a:rPr lang="hr-HR" dirty="0" err="1"/>
+              <a:t>negenerično</a:t>
+            </a:r>
+            <a:r>
+              <a:rPr lang="hr-HR" dirty="0"/>
+              <a:t> </a:t>
+            </a:r>
+            <a:r>
+              <a:rPr lang="hr-HR" dirty="0" err="1"/>
+              <a:t>User</a:t>
+            </a:r>
+            <a:r>
+              <a:rPr lang="hr-HR" dirty="0"/>
+              <a:t>-Agent polje i sadrži email adresu</a:t>
+            </a:r>
+          </a:p>
+          <a:p>
+            <a:pPr lvl="1"/>
+            <a:r>
+              <a:rPr lang="en-US" dirty="0">
+                <a:hlinkClick r:id="rId4"/>
+              </a:rPr>
+              <a:t>Terms of Service (met.no)</a:t>
+            </a:r>
+            <a:r>
+              <a:rPr lang="hr-HR" dirty="0"/>
+              <a:t>	</a:t>
+            </a:r>
+          </a:p>
+          <a:p>
+            <a:pPr lvl="1"/>
+            <a:r>
+              <a:rPr lang="en-US" dirty="0">
+                <a:hlinkClick r:id="rId5"/>
+              </a:rPr>
+              <a:t>web crawler - Sending "User-agent" using Requests library in Python - Stack Overflow</a:t>
+            </a:r>
+            <a:endParaRPr lang="hr-HR" dirty="0"/>
+          </a:p>
+        </p:txBody>
+      </p:sp>
+      <p:pic>
+        <p:nvPicPr>
+          <p:cNvPr id="4" name="Grafika 3" descr="Zupčanici">
+            <a:extLst>
+              <a:ext uri="{FF2B5EF4-FFF2-40B4-BE49-F238E27FC236}">
+                <a16:creationId xmlns:a16="http://schemas.microsoft.com/office/drawing/2014/main" id="{5F441A35-C86C-3543-9509-3CFF691138B1}"/>
+              </a:ext>
+            </a:extLst>
+          </p:cNvPr>
+          <p:cNvPicPr>
+            <a:picLocks noChangeAspect="1"/>
+          </p:cNvPicPr>
+          <p:nvPr/>
+        </p:nvPicPr>
+        <p:blipFill>
+          <a:blip r:embed="rId6">
+            <a:extLst>
+              <a:ext uri="{28A0092B-C50C-407E-A947-70E740481C1C}">
+                <a14:useLocalDpi xmlns:a14="http://schemas.microsoft.com/office/drawing/2010/main" val="0"/>
+              </a:ext>
+              <a:ext uri="{96DAC541-7B7A-43D3-8B79-37D633B846F1}">
+                <asvg:svgBlip xmlns:asvg="http://schemas.microsoft.com/office/drawing/2016/SVG/main" r:embed="rId7"/>
+              </a:ext>
+            </a:extLst>
+          </a:blip>
+          <a:stretch>
+            <a:fillRect/>
+          </a:stretch>
+        </p:blipFill>
+        <p:spPr>
+          <a:xfrm>
+            <a:off x="77730" y="113506"/>
+            <a:ext cx="914400" cy="914400"/>
+          </a:xfrm>
+          <a:prstGeom prst="rect">
+            <a:avLst/>
+          </a:prstGeom>
+        </p:spPr>
+      </p:pic>
     </p:spTree>
     <p:extLst>
       <p:ext uri="{BB962C8B-B14F-4D97-AF65-F5344CB8AC3E}">
@@ -7326,7 +8510,7 @@
 </p:sld>
 </file>
 
-<file path=ppt/slides/slide6.xml><?xml version="1.0" encoding="utf-8"?>
+<file path=ppt/slides/slide7.xml><?xml version="1.0" encoding="utf-8"?>
 <p:sld xmlns:a="http://schemas.openxmlformats.org/drawingml/2006/main" xmlns:r="http://schemas.openxmlformats.org/officeDocument/2006/relationships" xmlns:p="http://schemas.openxmlformats.org/presentationml/2006/main">
   <p:cSld>
     <p:spTree>
@@ -7554,102 +8738,93 @@
           </a:p>
         </p:txBody>
       </p:sp>
+      <p:pic>
+        <p:nvPicPr>
+          <p:cNvPr id="2" name="Grafika 1" descr="Zupčanici">
+            <a:extLst>
+              <a:ext uri="{FF2B5EF4-FFF2-40B4-BE49-F238E27FC236}">
+                <a16:creationId xmlns:a16="http://schemas.microsoft.com/office/drawing/2014/main" id="{42043476-BEA8-B3C7-90D5-D6D89F64B6FA}"/>
+              </a:ext>
+            </a:extLst>
+          </p:cNvPr>
+          <p:cNvPicPr>
+            <a:picLocks noChangeAspect="1"/>
+          </p:cNvPicPr>
+          <p:nvPr/>
+        </p:nvPicPr>
+        <p:blipFill>
+          <a:blip r:embed="rId4">
+            <a:extLst>
+              <a:ext uri="{28A0092B-C50C-407E-A947-70E740481C1C}">
+                <a14:useLocalDpi xmlns:a14="http://schemas.microsoft.com/office/drawing/2010/main" val="0"/>
+              </a:ext>
+              <a:ext uri="{96DAC541-7B7A-43D3-8B79-37D633B846F1}">
+                <asvg:svgBlip xmlns:asvg="http://schemas.microsoft.com/office/drawing/2016/SVG/main" r:embed="rId5"/>
+              </a:ext>
+            </a:extLst>
+          </a:blip>
+          <a:stretch>
+            <a:fillRect/>
+          </a:stretch>
+        </p:blipFill>
+        <p:spPr>
+          <a:xfrm>
+            <a:off x="77730" y="113506"/>
+            <a:ext cx="914400" cy="914400"/>
+          </a:xfrm>
+          <a:prstGeom prst="rect">
+            <a:avLst/>
+          </a:prstGeom>
+        </p:spPr>
+      </p:pic>
+      <p:sp>
+        <p:nvSpPr>
+          <p:cNvPr id="4" name="TekstniOkvir 3">
+            <a:extLst>
+              <a:ext uri="{FF2B5EF4-FFF2-40B4-BE49-F238E27FC236}">
+                <a16:creationId xmlns:a16="http://schemas.microsoft.com/office/drawing/2014/main" id="{2E97D4EE-4F29-EDF3-6799-299F72B45BE0}"/>
+              </a:ext>
+            </a:extLst>
+          </p:cNvPr>
+          <p:cNvSpPr txBox="1"/>
+          <p:nvPr/>
+        </p:nvSpPr>
+        <p:spPr>
+          <a:xfrm>
+            <a:off x="661229" y="5966102"/>
+            <a:ext cx="6097190" cy="369332"/>
+          </a:xfrm>
+          <a:prstGeom prst="rect">
+            <a:avLst/>
+          </a:prstGeom>
+          <a:noFill/>
+        </p:spPr>
+        <p:txBody>
+          <a:bodyPr wrap="square">
+            <a:spAutoFit/>
+          </a:bodyPr>
+          <a:lstStyle/>
+          <a:p>
+            <a:r>
+              <a:rPr lang="hr-HR" dirty="0" err="1">
+                <a:hlinkClick r:id="rId6"/>
+              </a:rPr>
+              <a:t>Locationforecast</a:t>
+            </a:r>
+            <a:r>
+              <a:rPr lang="hr-HR" dirty="0">
+                <a:hlinkClick r:id="rId6"/>
+              </a:rPr>
+              <a:t> (met.no)</a:t>
+            </a:r>
+            <a:endParaRPr lang="hr-HR" dirty="0"/>
+          </a:p>
+        </p:txBody>
+      </p:sp>
     </p:spTree>
     <p:extLst>
       <p:ext uri="{BB962C8B-B14F-4D97-AF65-F5344CB8AC3E}">
         <p14:creationId xmlns:p14="http://schemas.microsoft.com/office/powerpoint/2010/main" val="4130055884"/>
-      </p:ext>
-    </p:extLst>
-  </p:cSld>
-  <p:clrMapOvr>
-    <a:masterClrMapping/>
-  </p:clrMapOvr>
-</p:sld>
-</file>
-
-<file path=ppt/slides/slide7.xml><?xml version="1.0" encoding="utf-8"?>
-<p:sld xmlns:a="http://schemas.openxmlformats.org/drawingml/2006/main" xmlns:r="http://schemas.openxmlformats.org/officeDocument/2006/relationships" xmlns:p="http://schemas.openxmlformats.org/presentationml/2006/main">
-  <p:cSld>
-    <p:spTree>
-      <p:nvGrpSpPr>
-        <p:cNvPr id="1" name=""/>
-        <p:cNvGrpSpPr/>
-        <p:nvPr/>
-      </p:nvGrpSpPr>
-      <p:grpSpPr>
-        <a:xfrm>
-          <a:off x="0" y="0"/>
-          <a:ext cx="0" cy="0"/>
-          <a:chOff x="0" y="0"/>
-          <a:chExt cx="0" cy="0"/>
-        </a:xfrm>
-      </p:grpSpPr>
-      <p:sp>
-        <p:nvSpPr>
-          <p:cNvPr id="2" name="Naslov 1">
-            <a:extLst>
-              <a:ext uri="{FF2B5EF4-FFF2-40B4-BE49-F238E27FC236}">
-                <a16:creationId xmlns:a16="http://schemas.microsoft.com/office/drawing/2014/main" id="{C2354149-1580-4818-8447-166E017581EB}"/>
-              </a:ext>
-            </a:extLst>
-          </p:cNvPr>
-          <p:cNvSpPr>
-            <a:spLocks noGrp="1"/>
-          </p:cNvSpPr>
-          <p:nvPr>
-            <p:ph type="title"/>
-          </p:nvPr>
-        </p:nvSpPr>
-        <p:spPr/>
-        <p:txBody>
-          <a:bodyPr/>
-          <a:lstStyle/>
-          <a:p>
-            <a:r>
-              <a:rPr lang="hr-HR" dirty="0"/>
-              <a:t>Zadatak 1</a:t>
-            </a:r>
-          </a:p>
-        </p:txBody>
-      </p:sp>
-      <p:sp>
-        <p:nvSpPr>
-          <p:cNvPr id="3" name="Rezervirano mjesto sadržaja 2">
-            <a:extLst>
-              <a:ext uri="{FF2B5EF4-FFF2-40B4-BE49-F238E27FC236}">
-                <a16:creationId xmlns:a16="http://schemas.microsoft.com/office/drawing/2014/main" id="{B0BAEC61-F236-4A67-B6E3-F8106F534FEF}"/>
-              </a:ext>
-            </a:extLst>
-          </p:cNvPr>
-          <p:cNvSpPr>
-            <a:spLocks noGrp="1"/>
-          </p:cNvSpPr>
-          <p:nvPr>
-            <p:ph idx="1"/>
-          </p:nvPr>
-        </p:nvSpPr>
-        <p:spPr/>
-        <p:txBody>
-          <a:bodyPr/>
-          <a:lstStyle/>
-          <a:p>
-            <a:r>
-              <a:rPr lang="hr-HR" dirty="0"/>
-              <a:t>Kako izgraditi link? </a:t>
-            </a:r>
-          </a:p>
-          <a:p>
-            <a:r>
-              <a:rPr lang="hr-HR" dirty="0"/>
-              <a:t>Što dobijemo ako u web pregledniku otvorimo link?</a:t>
-            </a:r>
-          </a:p>
-        </p:txBody>
-      </p:sp>
-    </p:spTree>
-    <p:extLst>
-      <p:ext uri="{BB962C8B-B14F-4D97-AF65-F5344CB8AC3E}">
-        <p14:creationId xmlns:p14="http://schemas.microsoft.com/office/powerpoint/2010/main" val="2907542044"/>
       </p:ext>
     </p:extLst>
   </p:cSld>
@@ -7676,12 +8851,42 @@
           <a:chExt cx="0" cy="0"/>
         </a:xfrm>
       </p:grpSpPr>
+      <p:pic>
+        <p:nvPicPr>
+          <p:cNvPr id="5" name="Slika 4">
+            <a:extLst>
+              <a:ext uri="{FF2B5EF4-FFF2-40B4-BE49-F238E27FC236}">
+                <a16:creationId xmlns:a16="http://schemas.microsoft.com/office/drawing/2014/main" id="{5565B3DA-6FCC-A724-ED4E-3CDF4FADB2F2}"/>
+              </a:ext>
+            </a:extLst>
+          </p:cNvPr>
+          <p:cNvPicPr>
+            <a:picLocks noChangeAspect="1"/>
+          </p:cNvPicPr>
+          <p:nvPr/>
+        </p:nvPicPr>
+        <p:blipFill>
+          <a:blip r:embed="rId2"/>
+          <a:stretch>
+            <a:fillRect/>
+          </a:stretch>
+        </p:blipFill>
+        <p:spPr>
+          <a:xfrm>
+            <a:off x="146243" y="157440"/>
+            <a:ext cx="1117006" cy="1047193"/>
+          </a:xfrm>
+          <a:prstGeom prst="rect">
+            <a:avLst/>
+          </a:prstGeom>
+        </p:spPr>
+      </p:pic>
       <p:sp>
         <p:nvSpPr>
           <p:cNvPr id="2" name="Naslov 1">
             <a:extLst>
               <a:ext uri="{FF2B5EF4-FFF2-40B4-BE49-F238E27FC236}">
-                <a16:creationId xmlns:a16="http://schemas.microsoft.com/office/drawing/2014/main" id="{6971ED5B-0E7A-4710-9A76-E78415B739DE}"/>
+                <a16:creationId xmlns:a16="http://schemas.microsoft.com/office/drawing/2014/main" id="{C2354149-1580-4818-8447-166E017581EB}"/>
               </a:ext>
             </a:extLst>
           </p:cNvPr>
@@ -7699,7 +8904,7 @@
           <a:p>
             <a:r>
               <a:rPr lang="hr-HR" dirty="0"/>
-              <a:t>Dohvaćanje podataka 1/2</a:t>
+              <a:t>Zadatak 1</a:t>
             </a:r>
           </a:p>
         </p:txBody>
@@ -7709,7 +8914,7 @@
           <p:cNvPr id="3" name="Rezervirano mjesto sadržaja 2">
             <a:extLst>
               <a:ext uri="{FF2B5EF4-FFF2-40B4-BE49-F238E27FC236}">
-                <a16:creationId xmlns:a16="http://schemas.microsoft.com/office/drawing/2014/main" id="{42AA9523-8104-4831-B4AD-E57136DF2639}"/>
+                <a16:creationId xmlns:a16="http://schemas.microsoft.com/office/drawing/2014/main" id="{B0BAEC61-F236-4A67-B6E3-F8106F534FEF}"/>
               </a:ext>
             </a:extLst>
           </p:cNvPr>
@@ -7726,139 +8931,22 @@
           <a:lstStyle/>
           <a:p>
             <a:r>
-              <a:rPr lang="hr-HR" dirty="0" err="1"/>
-              <a:t>Requests</a:t>
-            </a:r>
-            <a:r>
               <a:rPr lang="hr-HR" dirty="0"/>
-              <a:t> </a:t>
-            </a:r>
-          </a:p>
-          <a:p>
-            <a:pPr lvl="1"/>
-            <a:r>
-              <a:rPr lang="hr-HR" dirty="0" err="1">
-                <a:hlinkClick r:id="rId2"/>
-              </a:rPr>
-              <a:t>requests</a:t>
-            </a:r>
-            <a:r>
-              <a:rPr lang="hr-HR" dirty="0">
-                <a:hlinkClick r:id="rId2"/>
-              </a:rPr>
-              <a:t> · </a:t>
-            </a:r>
-            <a:r>
-              <a:rPr lang="hr-HR" dirty="0" err="1">
-                <a:hlinkClick r:id="rId2"/>
-              </a:rPr>
-              <a:t>PyPI</a:t>
-            </a:r>
-            <a:endParaRPr lang="hr-HR" dirty="0"/>
-          </a:p>
-          <a:p>
-            <a:pPr lvl="1"/>
-            <a:r>
-              <a:rPr lang="hr-HR" dirty="0" err="1">
-                <a:hlinkClick r:id="rId3"/>
-              </a:rPr>
-              <a:t>Requests</a:t>
-            </a:r>
-            <a:r>
-              <a:rPr lang="hr-HR" dirty="0">
-                <a:hlinkClick r:id="rId3"/>
-              </a:rPr>
-              <a:t>: HTTP for </a:t>
-            </a:r>
-            <a:r>
-              <a:rPr lang="hr-HR" dirty="0" err="1">
-                <a:hlinkClick r:id="rId3"/>
-              </a:rPr>
-              <a:t>Humans</a:t>
-            </a:r>
-            <a:r>
-              <a:rPr lang="hr-HR" dirty="0">
-                <a:hlinkClick r:id="rId3"/>
-              </a:rPr>
-              <a:t>™ — </a:t>
-            </a:r>
-            <a:r>
-              <a:rPr lang="hr-HR" dirty="0" err="1">
-                <a:hlinkClick r:id="rId3"/>
-              </a:rPr>
-              <a:t>Requests</a:t>
-            </a:r>
-            <a:r>
-              <a:rPr lang="hr-HR" dirty="0">
-                <a:hlinkClick r:id="rId3"/>
-              </a:rPr>
-              <a:t> 2.24.0 </a:t>
-            </a:r>
-            <a:r>
-              <a:rPr lang="hr-HR" dirty="0" err="1">
-                <a:hlinkClick r:id="rId3"/>
-              </a:rPr>
-              <a:t>documentation</a:t>
-            </a:r>
-            <a:endParaRPr lang="hr-HR" dirty="0"/>
-          </a:p>
-          <a:p>
-            <a:pPr marL="457200" lvl="1" indent="0">
-              <a:buNone/>
-            </a:pPr>
-            <a:endParaRPr lang="hr-HR" dirty="0"/>
+              <a:t>Kako izgraditi link? </a:t>
+            </a:r>
           </a:p>
           <a:p>
             <a:r>
               <a:rPr lang="hr-HR" dirty="0"/>
-              <a:t>Instalacija</a:t>
-            </a:r>
-          </a:p>
-          <a:p>
-            <a:pPr lvl="1"/>
-            <a:r>
-              <a:rPr lang="hr-HR" b="0" i="0" dirty="0" err="1">
-                <a:effectLst/>
-                <a:latin typeface="Source Code Pro"/>
-              </a:rPr>
-              <a:t>pip</a:t>
-            </a:r>
-            <a:r>
-              <a:rPr lang="hr-HR" b="0" i="0" dirty="0">
-                <a:effectLst/>
-                <a:latin typeface="Source Code Pro"/>
-              </a:rPr>
-              <a:t> </a:t>
-            </a:r>
-            <a:r>
-              <a:rPr lang="hr-HR" b="0" i="0" dirty="0" err="1">
-                <a:effectLst/>
-                <a:latin typeface="Source Code Pro"/>
-              </a:rPr>
-              <a:t>install</a:t>
-            </a:r>
-            <a:r>
-              <a:rPr lang="hr-HR" b="0" i="0" dirty="0">
-                <a:effectLst/>
-                <a:latin typeface="Source Code Pro"/>
-              </a:rPr>
-              <a:t> </a:t>
-            </a:r>
-            <a:r>
-              <a:rPr lang="hr-HR" b="0" i="0" dirty="0" err="1">
-                <a:effectLst/>
-                <a:latin typeface="Source Code Pro"/>
-              </a:rPr>
-              <a:t>requests</a:t>
-            </a:r>
-            <a:endParaRPr lang="hr-HR" dirty="0"/>
+              <a:t>Što dobijemo ako u web pregledniku otvorimo link?</a:t>
+            </a:r>
           </a:p>
         </p:txBody>
       </p:sp>
     </p:spTree>
     <p:extLst>
       <p:ext uri="{BB962C8B-B14F-4D97-AF65-F5344CB8AC3E}">
-        <p14:creationId xmlns:p14="http://schemas.microsoft.com/office/powerpoint/2010/main" val="2289703307"/>
+        <p14:creationId xmlns:p14="http://schemas.microsoft.com/office/powerpoint/2010/main" val="2907542044"/>
       </p:ext>
     </p:extLst>
   </p:cSld>
@@ -7890,7 +8978,7 @@
           <p:cNvPr id="2" name="Naslov 1">
             <a:extLst>
               <a:ext uri="{FF2B5EF4-FFF2-40B4-BE49-F238E27FC236}">
-                <a16:creationId xmlns:a16="http://schemas.microsoft.com/office/drawing/2014/main" id="{914C8786-0F0B-4F37-BADD-79F6A4C791AD}"/>
+                <a16:creationId xmlns:a16="http://schemas.microsoft.com/office/drawing/2014/main" id="{6971ED5B-0E7A-4710-9A76-E78415B739DE}"/>
               </a:ext>
             </a:extLst>
           </p:cNvPr>
@@ -7908,44 +8996,205 @@
           <a:p>
             <a:r>
               <a:rPr lang="hr-HR" dirty="0"/>
-              <a:t>Primjer</a:t>
-            </a:r>
+              <a:t>Dohvaćanje podataka 1/2</a:t>
+            </a:r>
+          </a:p>
+        </p:txBody>
+      </p:sp>
+      <p:sp>
+        <p:nvSpPr>
+          <p:cNvPr id="3" name="Rezervirano mjesto sadržaja 2">
+            <a:extLst>
+              <a:ext uri="{FF2B5EF4-FFF2-40B4-BE49-F238E27FC236}">
+                <a16:creationId xmlns:a16="http://schemas.microsoft.com/office/drawing/2014/main" id="{42AA9523-8104-4831-B4AD-E57136DF2639}"/>
+              </a:ext>
+            </a:extLst>
+          </p:cNvPr>
+          <p:cNvSpPr>
+            <a:spLocks noGrp="1"/>
+          </p:cNvSpPr>
+          <p:nvPr>
+            <p:ph idx="1"/>
+          </p:nvPr>
+        </p:nvSpPr>
+        <p:spPr/>
+        <p:txBody>
+          <a:bodyPr/>
+          <a:lstStyle/>
+          <a:p>
+            <a:r>
+              <a:rPr lang="hr-HR" dirty="0" err="1"/>
+              <a:t>Requests</a:t>
+            </a:r>
+            <a:r>
+              <a:rPr lang="hr-HR" dirty="0"/>
+              <a:t> </a:t>
+            </a:r>
+          </a:p>
+          <a:p>
+            <a:pPr lvl="1"/>
+            <a:r>
+              <a:rPr lang="hr-HR" dirty="0" err="1">
+                <a:hlinkClick r:id="rId2"/>
+              </a:rPr>
+              <a:t>requests</a:t>
+            </a:r>
+            <a:r>
+              <a:rPr lang="hr-HR" dirty="0">
+                <a:hlinkClick r:id="rId2"/>
+              </a:rPr>
+              <a:t> · </a:t>
+            </a:r>
+            <a:r>
+              <a:rPr lang="hr-HR" dirty="0" err="1">
+                <a:hlinkClick r:id="rId2"/>
+              </a:rPr>
+              <a:t>PyPI</a:t>
+            </a:r>
+            <a:endParaRPr lang="hr-HR" dirty="0"/>
+          </a:p>
+          <a:p>
+            <a:pPr lvl="1"/>
+            <a:r>
+              <a:rPr lang="hr-HR" dirty="0" err="1">
+                <a:hlinkClick r:id="rId3"/>
+              </a:rPr>
+              <a:t>Requests</a:t>
+            </a:r>
+            <a:r>
+              <a:rPr lang="hr-HR" dirty="0">
+                <a:hlinkClick r:id="rId3"/>
+              </a:rPr>
+              <a:t>: HTTP for </a:t>
+            </a:r>
+            <a:r>
+              <a:rPr lang="hr-HR" dirty="0" err="1">
+                <a:hlinkClick r:id="rId3"/>
+              </a:rPr>
+              <a:t>Humans</a:t>
+            </a:r>
+            <a:r>
+              <a:rPr lang="hr-HR" dirty="0">
+                <a:hlinkClick r:id="rId3"/>
+              </a:rPr>
+              <a:t>™ — </a:t>
+            </a:r>
+            <a:r>
+              <a:rPr lang="hr-HR" dirty="0" err="1">
+                <a:hlinkClick r:id="rId3"/>
+              </a:rPr>
+              <a:t>Requests</a:t>
+            </a:r>
+            <a:r>
+              <a:rPr lang="hr-HR" dirty="0">
+                <a:hlinkClick r:id="rId3"/>
+              </a:rPr>
+              <a:t> 2.24.0 </a:t>
+            </a:r>
+            <a:r>
+              <a:rPr lang="hr-HR" dirty="0" err="1">
+                <a:hlinkClick r:id="rId3"/>
+              </a:rPr>
+              <a:t>documentation</a:t>
+            </a:r>
+            <a:endParaRPr lang="hr-HR" dirty="0"/>
+          </a:p>
+          <a:p>
+            <a:pPr marL="457200" lvl="1" indent="0">
+              <a:buNone/>
+            </a:pPr>
+            <a:endParaRPr lang="hr-HR" dirty="0"/>
+          </a:p>
+          <a:p>
+            <a:r>
+              <a:rPr lang="hr-HR" dirty="0"/>
+              <a:t>Instalacija</a:t>
+            </a:r>
+          </a:p>
+          <a:p>
+            <a:pPr lvl="1"/>
+            <a:r>
+              <a:rPr lang="hr-HR" b="0" i="0" dirty="0" err="1">
+                <a:effectLst/>
+                <a:latin typeface="Source Code Pro"/>
+              </a:rPr>
+              <a:t>pip</a:t>
+            </a:r>
+            <a:r>
+              <a:rPr lang="hr-HR" b="0" i="0" dirty="0">
+                <a:effectLst/>
+                <a:latin typeface="Source Code Pro"/>
+              </a:rPr>
+              <a:t> </a:t>
+            </a:r>
+            <a:r>
+              <a:rPr lang="hr-HR" b="0" i="0" dirty="0" err="1">
+                <a:effectLst/>
+                <a:latin typeface="Source Code Pro"/>
+              </a:rPr>
+              <a:t>install</a:t>
+            </a:r>
+            <a:r>
+              <a:rPr lang="hr-HR" b="0" i="0" dirty="0">
+                <a:effectLst/>
+                <a:latin typeface="Source Code Pro"/>
+              </a:rPr>
+              <a:t> </a:t>
+            </a:r>
+            <a:r>
+              <a:rPr lang="hr-HR" b="0" i="0" dirty="0" err="1">
+                <a:effectLst/>
+                <a:latin typeface="Source Code Pro"/>
+              </a:rPr>
+              <a:t>requests</a:t>
+            </a:r>
+            <a:endParaRPr lang="hr-HR" dirty="0"/>
           </a:p>
         </p:txBody>
       </p:sp>
       <p:pic>
         <p:nvPicPr>
-          <p:cNvPr id="8" name="Rezervirano mjesto sadržaja 7">
-            <a:extLst>
-              <a:ext uri="{FF2B5EF4-FFF2-40B4-BE49-F238E27FC236}">
-                <a16:creationId xmlns:a16="http://schemas.microsoft.com/office/drawing/2014/main" id="{9E65EC41-D914-497E-9D9A-003F13FBC9C2}"/>
+          <p:cNvPr id="4" name="Grafika 3" descr="Zupčanici">
+            <a:extLst>
+              <a:ext uri="{FF2B5EF4-FFF2-40B4-BE49-F238E27FC236}">
+                <a16:creationId xmlns:a16="http://schemas.microsoft.com/office/drawing/2014/main" id="{A9FA9682-FC72-4515-917C-F34EC34E016D}"/>
               </a:ext>
             </a:extLst>
           </p:cNvPr>
           <p:cNvPicPr>
-            <a:picLocks noGrp="1" noChangeAspect="1"/>
+            <a:picLocks noChangeAspect="1"/>
           </p:cNvPicPr>
-          <p:nvPr>
-            <p:ph idx="1"/>
-          </p:nvPr>
+          <p:nvPr/>
         </p:nvPicPr>
         <p:blipFill>
-          <a:blip r:embed="rId2"/>
+          <a:blip r:embed="rId4">
+            <a:extLst>
+              <a:ext uri="{28A0092B-C50C-407E-A947-70E740481C1C}">
+                <a14:useLocalDpi xmlns:a14="http://schemas.microsoft.com/office/drawing/2010/main" val="0"/>
+              </a:ext>
+              <a:ext uri="{96DAC541-7B7A-43D3-8B79-37D633B846F1}">
+                <asvg:svgBlip xmlns:asvg="http://schemas.microsoft.com/office/drawing/2016/SVG/main" r:embed="rId5"/>
+              </a:ext>
+            </a:extLst>
+          </a:blip>
           <a:stretch>
             <a:fillRect/>
           </a:stretch>
         </p:blipFill>
         <p:spPr>
           <a:xfrm>
-            <a:off x="941804" y="1910519"/>
-            <a:ext cx="9934283" cy="3036961"/>
+            <a:off x="77730" y="113506"/>
+            <a:ext cx="914400" cy="914400"/>
           </a:xfrm>
+          <a:prstGeom prst="rect">
+            <a:avLst/>
+          </a:prstGeom>
         </p:spPr>
       </p:pic>
     </p:spTree>
     <p:extLst>
       <p:ext uri="{BB962C8B-B14F-4D97-AF65-F5344CB8AC3E}">
-        <p14:creationId xmlns:p14="http://schemas.microsoft.com/office/powerpoint/2010/main" val="4105002120"/>
+        <p14:creationId xmlns:p14="http://schemas.microsoft.com/office/powerpoint/2010/main" val="2289703307"/>
       </p:ext>
     </p:extLst>
   </p:cSld>
